--- a/model/model.pptx
+++ b/model/model.pptx
@@ -6,6 +6,7 @@
   </p:sldMasterIdLst>
   <p:sldIdLst>
     <p:sldId id="256" r:id="rId2"/>
+    <p:sldId id="257" r:id="rId3"/>
   </p:sldIdLst>
   <p:sldSz cx="12192000" cy="6858000"/>
   <p:notesSz cx="6858000" cy="9144000"/>
@@ -104,6 +105,11 @@
       </a:defRPr>
     </a:lvl9pPr>
   </p:defaultTextStyle>
+  <p:extLst>
+    <p:ext uri="{EFAFB233-063F-42B5-8137-9DF3F51BA10A}">
+      <p15:sldGuideLst xmlns:p15="http://schemas.microsoft.com/office/powerpoint/2012/main"/>
+    </p:ext>
+  </p:extLst>
 </p:presentation>
 </file>
 
@@ -3887,8 +3893,8 @@
           </a:fontRef>
         </p:style>
       </p:cxnSp>
-      <mc:AlternateContent xmlns:mc="http://schemas.openxmlformats.org/markup-compatibility/2006">
-        <mc:Choice xmlns:a14="http://schemas.microsoft.com/office/drawing/2010/main" Requires="a14">
+      <mc:AlternateContent xmlns:mc="http://schemas.openxmlformats.org/markup-compatibility/2006" xmlns:a14="http://schemas.microsoft.com/office/drawing/2010/main">
+        <mc:Choice Requires="a14">
           <p:sp>
             <p:nvSpPr>
               <p:cNvPr id="53" name="テキスト ボックス 52">
@@ -3917,6 +3923,7 @@
               </a:bodyPr>
               <a:lstStyle/>
               <a:p>
+                <a:pPr/>
                 <a14:m>
                   <m:oMathPara xmlns:m="http://schemas.openxmlformats.org/officeDocument/2006/math">
                     <m:oMathParaPr>
@@ -4032,7 +4039,7 @@
             </p:txBody>
           </p:sp>
         </mc:Choice>
-        <mc:Fallback>
+        <mc:Fallback xmlns="">
           <p:sp>
             <p:nvSpPr>
               <p:cNvPr id="53" name="テキスト ボックス 52">
@@ -4077,8 +4084,8 @@
           </p:sp>
         </mc:Fallback>
       </mc:AlternateContent>
-      <mc:AlternateContent xmlns:mc="http://schemas.openxmlformats.org/markup-compatibility/2006">
-        <mc:Choice xmlns:a14="http://schemas.microsoft.com/office/drawing/2010/main" Requires="a14">
+      <mc:AlternateContent xmlns:mc="http://schemas.openxmlformats.org/markup-compatibility/2006" xmlns:a14="http://schemas.microsoft.com/office/drawing/2010/main">
+        <mc:Choice Requires="a14">
           <p:sp>
             <p:nvSpPr>
               <p:cNvPr id="54" name="テキスト ボックス 53">
@@ -4107,6 +4114,7 @@
               </a:bodyPr>
               <a:lstStyle/>
               <a:p>
+                <a:pPr/>
                 <a14:m>
                   <m:oMathPara xmlns:m="http://schemas.openxmlformats.org/officeDocument/2006/math">
                     <m:oMathParaPr>
@@ -4131,7 +4139,7 @@
             </p:txBody>
           </p:sp>
         </mc:Choice>
-        <mc:Fallback>
+        <mc:Fallback xmlns="">
           <p:sp>
             <p:nvSpPr>
               <p:cNvPr id="54" name="テキスト ボックス 53">
@@ -4176,8 +4184,8 @@
           </p:sp>
         </mc:Fallback>
       </mc:AlternateContent>
-      <mc:AlternateContent xmlns:mc="http://schemas.openxmlformats.org/markup-compatibility/2006">
-        <mc:Choice xmlns:a14="http://schemas.microsoft.com/office/drawing/2010/main" Requires="a14">
+      <mc:AlternateContent xmlns:mc="http://schemas.openxmlformats.org/markup-compatibility/2006" xmlns:a14="http://schemas.microsoft.com/office/drawing/2010/main">
+        <mc:Choice Requires="a14">
           <p:sp>
             <p:nvSpPr>
               <p:cNvPr id="55" name="テキスト ボックス 54">
@@ -4206,6 +4214,7 @@
               </a:bodyPr>
               <a:lstStyle/>
               <a:p>
+                <a:pPr/>
                 <a14:m>
                   <m:oMathPara xmlns:m="http://schemas.openxmlformats.org/officeDocument/2006/math">
                     <m:oMathParaPr>
@@ -4230,7 +4239,7 @@
             </p:txBody>
           </p:sp>
         </mc:Choice>
-        <mc:Fallback>
+        <mc:Fallback xmlns="">
           <p:sp>
             <p:nvSpPr>
               <p:cNvPr id="55" name="テキスト ボックス 54">
@@ -4275,8 +4284,8 @@
           </p:sp>
         </mc:Fallback>
       </mc:AlternateContent>
-      <mc:AlternateContent xmlns:mc="http://schemas.openxmlformats.org/markup-compatibility/2006">
-        <mc:Choice xmlns:a14="http://schemas.microsoft.com/office/drawing/2010/main" Requires="a14">
+      <mc:AlternateContent xmlns:mc="http://schemas.openxmlformats.org/markup-compatibility/2006" xmlns:a14="http://schemas.microsoft.com/office/drawing/2010/main">
+        <mc:Choice Requires="a14">
           <p:sp>
             <p:nvSpPr>
               <p:cNvPr id="56" name="テキスト ボックス 55">
@@ -4305,6 +4314,7 @@
               </a:bodyPr>
               <a:lstStyle/>
               <a:p>
+                <a:pPr/>
                 <a14:m>
                   <m:oMathPara xmlns:m="http://schemas.openxmlformats.org/officeDocument/2006/math">
                     <m:oMathParaPr>
@@ -4329,7 +4339,7 @@
             </p:txBody>
           </p:sp>
         </mc:Choice>
-        <mc:Fallback>
+        <mc:Fallback xmlns="">
           <p:sp>
             <p:nvSpPr>
               <p:cNvPr id="56" name="テキスト ボックス 55">
@@ -4374,8 +4384,8 @@
           </p:sp>
         </mc:Fallback>
       </mc:AlternateContent>
-      <mc:AlternateContent xmlns:mc="http://schemas.openxmlformats.org/markup-compatibility/2006">
-        <mc:Choice xmlns:a14="http://schemas.microsoft.com/office/drawing/2010/main" Requires="a14">
+      <mc:AlternateContent xmlns:mc="http://schemas.openxmlformats.org/markup-compatibility/2006" xmlns:a14="http://schemas.microsoft.com/office/drawing/2010/main">
+        <mc:Choice Requires="a14">
           <p:sp>
             <p:nvSpPr>
               <p:cNvPr id="57" name="テキスト ボックス 56">
@@ -4404,6 +4414,7 @@
               </a:bodyPr>
               <a:lstStyle/>
               <a:p>
+                <a:pPr/>
                 <a14:m>
                   <m:oMathPara xmlns:m="http://schemas.openxmlformats.org/officeDocument/2006/math">
                     <m:oMathParaPr>
@@ -4449,7 +4460,7 @@
             </p:txBody>
           </p:sp>
         </mc:Choice>
-        <mc:Fallback>
+        <mc:Fallback xmlns="">
           <p:sp>
             <p:nvSpPr>
               <p:cNvPr id="57" name="テキスト ボックス 56">
@@ -4576,8 +4587,8 @@
           </a:fontRef>
         </p:style>
       </p:cxnSp>
-      <mc:AlternateContent xmlns:mc="http://schemas.openxmlformats.org/markup-compatibility/2006">
-        <mc:Choice xmlns:a14="http://schemas.microsoft.com/office/drawing/2010/main" Requires="a14">
+      <mc:AlternateContent xmlns:mc="http://schemas.openxmlformats.org/markup-compatibility/2006" xmlns:a14="http://schemas.microsoft.com/office/drawing/2010/main">
+        <mc:Choice Requires="a14">
           <p:sp>
             <p:nvSpPr>
               <p:cNvPr id="63" name="テキスト ボックス 62">
@@ -4606,6 +4617,7 @@
               </a:bodyPr>
               <a:lstStyle/>
               <a:p>
+                <a:pPr/>
                 <a14:m>
                   <m:oMathPara xmlns:m="http://schemas.openxmlformats.org/officeDocument/2006/math">
                     <m:oMathParaPr>
@@ -4630,7 +4642,7 @@
             </p:txBody>
           </p:sp>
         </mc:Choice>
-        <mc:Fallback>
+        <mc:Fallback xmlns="">
           <p:sp>
             <p:nvSpPr>
               <p:cNvPr id="63" name="テキスト ボックス 62">
@@ -4675,8 +4687,8 @@
           </p:sp>
         </mc:Fallback>
       </mc:AlternateContent>
-      <mc:AlternateContent xmlns:mc="http://schemas.openxmlformats.org/markup-compatibility/2006">
-        <mc:Choice xmlns:a14="http://schemas.microsoft.com/office/drawing/2010/main" Requires="a14">
+      <mc:AlternateContent xmlns:mc="http://schemas.openxmlformats.org/markup-compatibility/2006" xmlns:a14="http://schemas.microsoft.com/office/drawing/2010/main">
+        <mc:Choice Requires="a14">
           <p:sp>
             <p:nvSpPr>
               <p:cNvPr id="64" name="テキスト ボックス 63">
@@ -4705,6 +4717,7 @@
               </a:bodyPr>
               <a:lstStyle/>
               <a:p>
+                <a:pPr/>
                 <a14:m>
                   <m:oMathPara xmlns:m="http://schemas.openxmlformats.org/officeDocument/2006/math">
                     <m:oMathParaPr>
@@ -4729,7 +4742,7 @@
             </p:txBody>
           </p:sp>
         </mc:Choice>
-        <mc:Fallback>
+        <mc:Fallback xmlns="">
           <p:sp>
             <p:nvSpPr>
               <p:cNvPr id="64" name="テキスト ボックス 63">
@@ -4774,8 +4787,8 @@
           </p:sp>
         </mc:Fallback>
       </mc:AlternateContent>
-      <mc:AlternateContent xmlns:mc="http://schemas.openxmlformats.org/markup-compatibility/2006">
-        <mc:Choice xmlns:a14="http://schemas.microsoft.com/office/drawing/2010/main" Requires="a14">
+      <mc:AlternateContent xmlns:mc="http://schemas.openxmlformats.org/markup-compatibility/2006" xmlns:a14="http://schemas.microsoft.com/office/drawing/2010/main">
+        <mc:Choice Requires="a14">
           <p:sp>
             <p:nvSpPr>
               <p:cNvPr id="65" name="テキスト ボックス 64">
@@ -4804,6 +4817,7 @@
               </a:bodyPr>
               <a:lstStyle/>
               <a:p>
+                <a:pPr/>
                 <a14:m>
                   <m:oMathPara xmlns:m="http://schemas.openxmlformats.org/officeDocument/2006/math">
                     <m:oMathParaPr>
@@ -4828,7 +4842,7 @@
             </p:txBody>
           </p:sp>
         </mc:Choice>
-        <mc:Fallback>
+        <mc:Fallback xmlns="">
           <p:sp>
             <p:nvSpPr>
               <p:cNvPr id="65" name="テキスト ボックス 64">
@@ -5258,8 +5272,8 @@
           </a:p>
         </p:txBody>
       </p:sp>
-      <mc:AlternateContent xmlns:mc="http://schemas.openxmlformats.org/markup-compatibility/2006">
-        <mc:Choice xmlns:a14="http://schemas.microsoft.com/office/drawing/2010/main" Requires="a14">
+      <mc:AlternateContent xmlns:mc="http://schemas.openxmlformats.org/markup-compatibility/2006" xmlns:a14="http://schemas.microsoft.com/office/drawing/2010/main">
+        <mc:Choice Requires="a14">
           <p:sp>
             <p:nvSpPr>
               <p:cNvPr id="82" name="テキスト ボックス 81">
@@ -5288,6 +5302,7 @@
               </a:bodyPr>
               <a:lstStyle/>
               <a:p>
+                <a:pPr/>
                 <a14:m>
                   <m:oMathPara xmlns:m="http://schemas.openxmlformats.org/officeDocument/2006/math">
                     <m:oMathParaPr>
@@ -5312,7 +5327,7 @@
             </p:txBody>
           </p:sp>
         </mc:Choice>
-        <mc:Fallback>
+        <mc:Fallback xmlns="">
           <p:sp>
             <p:nvSpPr>
               <p:cNvPr id="82" name="テキスト ボックス 81">
@@ -5357,8 +5372,8 @@
           </p:sp>
         </mc:Fallback>
       </mc:AlternateContent>
-      <mc:AlternateContent xmlns:mc="http://schemas.openxmlformats.org/markup-compatibility/2006">
-        <mc:Choice xmlns:a14="http://schemas.microsoft.com/office/drawing/2010/main" Requires="a14">
+      <mc:AlternateContent xmlns:mc="http://schemas.openxmlformats.org/markup-compatibility/2006" xmlns:a14="http://schemas.microsoft.com/office/drawing/2010/main">
+        <mc:Choice Requires="a14">
           <p:sp>
             <p:nvSpPr>
               <p:cNvPr id="83" name="テキスト ボックス 82">
@@ -5387,6 +5402,7 @@
               </a:bodyPr>
               <a:lstStyle/>
               <a:p>
+                <a:pPr/>
                 <a14:m>
                   <m:oMathPara xmlns:m="http://schemas.openxmlformats.org/officeDocument/2006/math">
                     <m:oMathParaPr>
@@ -5411,7 +5427,7 @@
             </p:txBody>
           </p:sp>
         </mc:Choice>
-        <mc:Fallback>
+        <mc:Fallback xmlns="">
           <p:sp>
             <p:nvSpPr>
               <p:cNvPr id="83" name="テキスト ボックス 82">
@@ -5497,8 +5513,8 @@
           </a:fontRef>
         </p:style>
       </p:cxnSp>
-      <mc:AlternateContent xmlns:mc="http://schemas.openxmlformats.org/markup-compatibility/2006">
-        <mc:Choice xmlns:a14="http://schemas.microsoft.com/office/drawing/2010/main" Requires="a14">
+      <mc:AlternateContent xmlns:mc="http://schemas.openxmlformats.org/markup-compatibility/2006" xmlns:a14="http://schemas.microsoft.com/office/drawing/2010/main">
+        <mc:Choice Requires="a14">
           <p:sp>
             <p:nvSpPr>
               <p:cNvPr id="87" name="テキスト ボックス 86">
@@ -5527,6 +5543,7 @@
               </a:bodyPr>
               <a:lstStyle/>
               <a:p>
+                <a:pPr/>
                 <a14:m>
                   <m:oMathPara xmlns:m="http://schemas.openxmlformats.org/officeDocument/2006/math">
                     <m:oMathParaPr>
@@ -5551,7 +5568,7 @@
             </p:txBody>
           </p:sp>
         </mc:Choice>
-        <mc:Fallback>
+        <mc:Fallback xmlns="">
           <p:sp>
             <p:nvSpPr>
               <p:cNvPr id="87" name="テキスト ボックス 86">
@@ -5647,8 +5664,8 @@
           </a:p>
         </p:txBody>
       </p:sp>
-      <mc:AlternateContent xmlns:mc="http://schemas.openxmlformats.org/markup-compatibility/2006">
-        <mc:Choice xmlns:a14="http://schemas.microsoft.com/office/drawing/2010/main" Requires="a14">
+      <mc:AlternateContent xmlns:mc="http://schemas.openxmlformats.org/markup-compatibility/2006" xmlns:a14="http://schemas.microsoft.com/office/drawing/2010/main">
+        <mc:Choice Requires="a14">
           <p:sp>
             <p:nvSpPr>
               <p:cNvPr id="99" name="テキスト ボックス 98">
@@ -5677,6 +5694,7 @@
               </a:bodyPr>
               <a:lstStyle/>
               <a:p>
+                <a:pPr/>
                 <a14:m>
                   <m:oMathPara xmlns:m="http://schemas.openxmlformats.org/officeDocument/2006/math">
                     <m:oMathParaPr>
@@ -5720,7 +5738,7 @@
             </p:txBody>
           </p:sp>
         </mc:Choice>
-        <mc:Fallback>
+        <mc:Fallback xmlns="">
           <p:sp>
             <p:nvSpPr>
               <p:cNvPr id="99" name="テキスト ボックス 98">
@@ -5765,8 +5783,8 @@
           </p:sp>
         </mc:Fallback>
       </mc:AlternateContent>
-      <mc:AlternateContent xmlns:mc="http://schemas.openxmlformats.org/markup-compatibility/2006">
-        <mc:Choice xmlns:a14="http://schemas.microsoft.com/office/drawing/2010/main" Requires="a14">
+      <mc:AlternateContent xmlns:mc="http://schemas.openxmlformats.org/markup-compatibility/2006" xmlns:a14="http://schemas.microsoft.com/office/drawing/2010/main">
+        <mc:Choice Requires="a14">
           <p:sp>
             <p:nvSpPr>
               <p:cNvPr id="100" name="テキスト ボックス 99">
@@ -5795,6 +5813,7 @@
               </a:bodyPr>
               <a:lstStyle/>
               <a:p>
+                <a:pPr/>
                 <a14:m>
                   <m:oMathPara xmlns:m="http://schemas.openxmlformats.org/officeDocument/2006/math">
                     <m:oMathParaPr>
@@ -5838,7 +5857,7 @@
             </p:txBody>
           </p:sp>
         </mc:Choice>
-        <mc:Fallback>
+        <mc:Fallback xmlns="">
           <p:sp>
             <p:nvSpPr>
               <p:cNvPr id="100" name="テキスト ボックス 99">
@@ -5883,8 +5902,8 @@
           </p:sp>
         </mc:Fallback>
       </mc:AlternateContent>
-      <mc:AlternateContent xmlns:mc="http://schemas.openxmlformats.org/markup-compatibility/2006">
-        <mc:Choice xmlns:a14="http://schemas.microsoft.com/office/drawing/2010/main" Requires="a14">
+      <mc:AlternateContent xmlns:mc="http://schemas.openxmlformats.org/markup-compatibility/2006" xmlns:a14="http://schemas.microsoft.com/office/drawing/2010/main">
+        <mc:Choice Requires="a14">
           <p:sp>
             <p:nvSpPr>
               <p:cNvPr id="101" name="テキスト ボックス 100">
@@ -5913,6 +5932,7 @@
               </a:bodyPr>
               <a:lstStyle/>
               <a:p>
+                <a:pPr/>
                 <a14:m>
                   <m:oMathPara xmlns:m="http://schemas.openxmlformats.org/officeDocument/2006/math">
                     <m:oMathParaPr>
@@ -5937,7 +5957,7 @@
             </p:txBody>
           </p:sp>
         </mc:Choice>
-        <mc:Fallback>
+        <mc:Fallback xmlns="">
           <p:sp>
             <p:nvSpPr>
               <p:cNvPr id="101" name="テキスト ボックス 100">
@@ -6023,8 +6043,8 @@
           </a:fontRef>
         </p:style>
       </p:cxnSp>
-      <mc:AlternateContent xmlns:mc="http://schemas.openxmlformats.org/markup-compatibility/2006">
-        <mc:Choice xmlns:a14="http://schemas.microsoft.com/office/drawing/2010/main" Requires="a14">
+      <mc:AlternateContent xmlns:mc="http://schemas.openxmlformats.org/markup-compatibility/2006" xmlns:a14="http://schemas.microsoft.com/office/drawing/2010/main">
+        <mc:Choice Requires="a14">
           <p:sp>
             <p:nvSpPr>
               <p:cNvPr id="104" name="テキスト ボックス 103">
@@ -6053,6 +6073,7 @@
               </a:bodyPr>
               <a:lstStyle/>
               <a:p>
+                <a:pPr/>
                 <a14:m>
                   <m:oMathPara xmlns:m="http://schemas.openxmlformats.org/officeDocument/2006/math">
                     <m:oMathParaPr>
@@ -6077,7 +6098,7 @@
             </p:txBody>
           </p:sp>
         </mc:Choice>
-        <mc:Fallback>
+        <mc:Fallback xmlns="">
           <p:sp>
             <p:nvSpPr>
               <p:cNvPr id="104" name="テキスト ボックス 103">
@@ -6126,6 +6147,2312 @@
     <p:extLst>
       <p:ext uri="{BB962C8B-B14F-4D97-AF65-F5344CB8AC3E}">
         <p14:creationId xmlns:p14="http://schemas.microsoft.com/office/powerpoint/2010/main" val="2476658098"/>
+      </p:ext>
+    </p:extLst>
+  </p:cSld>
+  <p:clrMapOvr>
+    <a:masterClrMapping/>
+  </p:clrMapOvr>
+</p:sld>
+</file>
+
+<file path=ppt/slides/slide2.xml><?xml version="1.0" encoding="utf-8"?>
+<p:sld xmlns:a="http://schemas.openxmlformats.org/drawingml/2006/main" xmlns:r="http://schemas.openxmlformats.org/officeDocument/2006/relationships" xmlns:p="http://schemas.openxmlformats.org/presentationml/2006/main">
+  <p:cSld>
+    <p:spTree>
+      <p:nvGrpSpPr>
+        <p:cNvPr id="1" name=""/>
+        <p:cNvGrpSpPr/>
+        <p:nvPr/>
+      </p:nvGrpSpPr>
+      <p:grpSpPr>
+        <a:xfrm>
+          <a:off x="0" y="0"/>
+          <a:ext cx="0" cy="0"/>
+          <a:chOff x="0" y="0"/>
+          <a:chExt cx="0" cy="0"/>
+        </a:xfrm>
+      </p:grpSpPr>
+      <p:sp>
+        <p:nvSpPr>
+          <p:cNvPr id="4" name="正方形/長方形 3">
+            <a:extLst>
+              <a:ext uri="{FF2B5EF4-FFF2-40B4-BE49-F238E27FC236}">
+                <a16:creationId xmlns:a16="http://schemas.microsoft.com/office/drawing/2014/main" id="{9DF44DEC-2F77-429F-312D-4E987E69C178}"/>
+              </a:ext>
+            </a:extLst>
+          </p:cNvPr>
+          <p:cNvSpPr/>
+          <p:nvPr/>
+        </p:nvSpPr>
+        <p:spPr>
+          <a:xfrm>
+            <a:off x="4160787" y="2007668"/>
+            <a:ext cx="1301750" cy="742946"/>
+          </a:xfrm>
+          <a:prstGeom prst="rect">
+            <a:avLst/>
+          </a:prstGeom>
+          <a:noFill/>
+          <a:ln w="12700">
+            <a:solidFill>
+              <a:schemeClr val="tx1"/>
+            </a:solidFill>
+          </a:ln>
+        </p:spPr>
+        <p:style>
+          <a:lnRef idx="2">
+            <a:schemeClr val="accent1">
+              <a:shade val="50000"/>
+            </a:schemeClr>
+          </a:lnRef>
+          <a:fillRef idx="1">
+            <a:schemeClr val="accent1"/>
+          </a:fillRef>
+          <a:effectRef idx="0">
+            <a:schemeClr val="accent1"/>
+          </a:effectRef>
+          <a:fontRef idx="minor">
+            <a:schemeClr val="lt1"/>
+          </a:fontRef>
+        </p:style>
+        <p:txBody>
+          <a:bodyPr rtlCol="0" anchor="ctr"/>
+          <a:lstStyle/>
+          <a:p>
+            <a:pPr algn="ctr"/>
+            <a:endParaRPr kumimoji="1" lang="ja-JP" altLang="en-US"/>
+          </a:p>
+        </p:txBody>
+      </p:sp>
+      <p:cxnSp>
+        <p:nvCxnSpPr>
+          <p:cNvPr id="5" name="直線矢印コネクタ 4">
+            <a:extLst>
+              <a:ext uri="{FF2B5EF4-FFF2-40B4-BE49-F238E27FC236}">
+                <a16:creationId xmlns:a16="http://schemas.microsoft.com/office/drawing/2014/main" id="{60922C5A-1C36-FC04-F570-6ACD50FC9240}"/>
+              </a:ext>
+            </a:extLst>
+          </p:cNvPr>
+          <p:cNvCxnSpPr>
+            <a:cxnSpLocks/>
+          </p:cNvCxnSpPr>
+          <p:nvPr/>
+        </p:nvCxnSpPr>
+        <p:spPr>
+          <a:xfrm>
+            <a:off x="1987550" y="2379142"/>
+            <a:ext cx="1123950" cy="0"/>
+          </a:xfrm>
+          <a:prstGeom prst="straightConnector1">
+            <a:avLst/>
+          </a:prstGeom>
+          <a:ln>
+            <a:tailEnd type="triangle"/>
+          </a:ln>
+        </p:spPr>
+        <p:style>
+          <a:lnRef idx="1">
+            <a:schemeClr val="dk1"/>
+          </a:lnRef>
+          <a:fillRef idx="0">
+            <a:schemeClr val="dk1"/>
+          </a:fillRef>
+          <a:effectRef idx="0">
+            <a:schemeClr val="dk1"/>
+          </a:effectRef>
+          <a:fontRef idx="minor">
+            <a:schemeClr val="tx1"/>
+          </a:fontRef>
+        </p:style>
+      </p:cxnSp>
+      <p:sp>
+        <p:nvSpPr>
+          <p:cNvPr id="7" name="楕円 6">
+            <a:extLst>
+              <a:ext uri="{FF2B5EF4-FFF2-40B4-BE49-F238E27FC236}">
+                <a16:creationId xmlns:a16="http://schemas.microsoft.com/office/drawing/2014/main" id="{26D6D368-FEA6-CC94-7376-D05AAC5B5324}"/>
+              </a:ext>
+            </a:extLst>
+          </p:cNvPr>
+          <p:cNvSpPr/>
+          <p:nvPr/>
+        </p:nvSpPr>
+        <p:spPr>
+          <a:xfrm>
+            <a:off x="3111500" y="2311413"/>
+            <a:ext cx="140519" cy="135458"/>
+          </a:xfrm>
+          <a:prstGeom prst="ellipse">
+            <a:avLst/>
+          </a:prstGeom>
+          <a:solidFill>
+            <a:schemeClr val="bg1"/>
+          </a:solidFill>
+          <a:ln>
+            <a:solidFill>
+              <a:schemeClr val="tx1"/>
+            </a:solidFill>
+          </a:ln>
+        </p:spPr>
+        <p:style>
+          <a:lnRef idx="2">
+            <a:schemeClr val="accent1">
+              <a:shade val="50000"/>
+            </a:schemeClr>
+          </a:lnRef>
+          <a:fillRef idx="1">
+            <a:schemeClr val="accent1"/>
+          </a:fillRef>
+          <a:effectRef idx="0">
+            <a:schemeClr val="accent1"/>
+          </a:effectRef>
+          <a:fontRef idx="minor">
+            <a:schemeClr val="lt1"/>
+          </a:fontRef>
+        </p:style>
+        <p:txBody>
+          <a:bodyPr rtlCol="0" anchor="ctr"/>
+          <a:lstStyle/>
+          <a:p>
+            <a:pPr algn="ctr"/>
+            <a:endParaRPr kumimoji="1" lang="ja-JP" altLang="en-US"/>
+          </a:p>
+        </p:txBody>
+      </p:sp>
+      <p:cxnSp>
+        <p:nvCxnSpPr>
+          <p:cNvPr id="8" name="直線矢印コネクタ 7">
+            <a:extLst>
+              <a:ext uri="{FF2B5EF4-FFF2-40B4-BE49-F238E27FC236}">
+                <a16:creationId xmlns:a16="http://schemas.microsoft.com/office/drawing/2014/main" id="{1956BEEF-8963-AAE1-AA65-5D7735AE6DB6}"/>
+              </a:ext>
+            </a:extLst>
+          </p:cNvPr>
+          <p:cNvCxnSpPr>
+            <a:cxnSpLocks/>
+          </p:cNvCxnSpPr>
+          <p:nvPr/>
+        </p:nvCxnSpPr>
+        <p:spPr>
+          <a:xfrm>
+            <a:off x="3636143" y="2379141"/>
+            <a:ext cx="524644" cy="0"/>
+          </a:xfrm>
+          <a:prstGeom prst="straightConnector1">
+            <a:avLst/>
+          </a:prstGeom>
+          <a:ln>
+            <a:tailEnd type="triangle"/>
+          </a:ln>
+        </p:spPr>
+        <p:style>
+          <a:lnRef idx="1">
+            <a:schemeClr val="dk1"/>
+          </a:lnRef>
+          <a:fillRef idx="0">
+            <a:schemeClr val="dk1"/>
+          </a:fillRef>
+          <a:effectRef idx="0">
+            <a:schemeClr val="dk1"/>
+          </a:effectRef>
+          <a:fontRef idx="minor">
+            <a:schemeClr val="tx1"/>
+          </a:fontRef>
+        </p:style>
+      </p:cxnSp>
+      <p:sp>
+        <p:nvSpPr>
+          <p:cNvPr id="10" name="楕円 9">
+            <a:extLst>
+              <a:ext uri="{FF2B5EF4-FFF2-40B4-BE49-F238E27FC236}">
+                <a16:creationId xmlns:a16="http://schemas.microsoft.com/office/drawing/2014/main" id="{F90D2376-AE94-909A-0AA2-3C53AABDFA28}"/>
+              </a:ext>
+            </a:extLst>
+          </p:cNvPr>
+          <p:cNvSpPr/>
+          <p:nvPr/>
+        </p:nvSpPr>
+        <p:spPr>
+          <a:xfrm>
+            <a:off x="3586931" y="2330044"/>
+            <a:ext cx="98425" cy="98195"/>
+          </a:xfrm>
+          <a:prstGeom prst="ellipse">
+            <a:avLst/>
+          </a:prstGeom>
+          <a:solidFill>
+            <a:schemeClr val="tx1"/>
+          </a:solidFill>
+          <a:ln>
+            <a:noFill/>
+          </a:ln>
+        </p:spPr>
+        <p:style>
+          <a:lnRef idx="2">
+            <a:schemeClr val="accent1">
+              <a:shade val="50000"/>
+            </a:schemeClr>
+          </a:lnRef>
+          <a:fillRef idx="1">
+            <a:schemeClr val="accent1"/>
+          </a:fillRef>
+          <a:effectRef idx="0">
+            <a:schemeClr val="accent1"/>
+          </a:effectRef>
+          <a:fontRef idx="minor">
+            <a:schemeClr val="lt1"/>
+          </a:fontRef>
+        </p:style>
+        <p:txBody>
+          <a:bodyPr rtlCol="0" anchor="ctr"/>
+          <a:lstStyle/>
+          <a:p>
+            <a:pPr algn="ctr"/>
+            <a:endParaRPr kumimoji="1" lang="ja-JP" altLang="en-US"/>
+          </a:p>
+        </p:txBody>
+      </p:sp>
+      <p:cxnSp>
+        <p:nvCxnSpPr>
+          <p:cNvPr id="11" name="直線コネクタ 10">
+            <a:extLst>
+              <a:ext uri="{FF2B5EF4-FFF2-40B4-BE49-F238E27FC236}">
+                <a16:creationId xmlns:a16="http://schemas.microsoft.com/office/drawing/2014/main" id="{FF3DDAD9-E624-E6D5-082C-C595CB1EBF8D}"/>
+              </a:ext>
+            </a:extLst>
+          </p:cNvPr>
+          <p:cNvCxnSpPr>
+            <a:cxnSpLocks/>
+            <a:stCxn id="10" idx="2"/>
+          </p:cNvCxnSpPr>
+          <p:nvPr/>
+        </p:nvCxnSpPr>
+        <p:spPr>
+          <a:xfrm flipH="1">
+            <a:off x="3252019" y="2379142"/>
+            <a:ext cx="334912" cy="829"/>
+          </a:xfrm>
+          <a:prstGeom prst="line">
+            <a:avLst/>
+          </a:prstGeom>
+          <a:ln>
+            <a:solidFill>
+              <a:schemeClr val="tx1"/>
+            </a:solidFill>
+            <a:prstDash val="solid"/>
+          </a:ln>
+        </p:spPr>
+        <p:style>
+          <a:lnRef idx="1">
+            <a:schemeClr val="accent1"/>
+          </a:lnRef>
+          <a:fillRef idx="0">
+            <a:schemeClr val="accent1"/>
+          </a:fillRef>
+          <a:effectRef idx="0">
+            <a:schemeClr val="accent1"/>
+          </a:effectRef>
+          <a:fontRef idx="minor">
+            <a:schemeClr val="tx1"/>
+          </a:fontRef>
+        </p:style>
+      </p:cxnSp>
+      <p:cxnSp>
+        <p:nvCxnSpPr>
+          <p:cNvPr id="14" name="直線コネクタ 13">
+            <a:extLst>
+              <a:ext uri="{FF2B5EF4-FFF2-40B4-BE49-F238E27FC236}">
+                <a16:creationId xmlns:a16="http://schemas.microsoft.com/office/drawing/2014/main" id="{526A63A9-ADAF-4F66-6011-1546CF3AC627}"/>
+              </a:ext>
+            </a:extLst>
+          </p:cNvPr>
+          <p:cNvCxnSpPr>
+            <a:cxnSpLocks/>
+          </p:cNvCxnSpPr>
+          <p:nvPr/>
+        </p:nvCxnSpPr>
+        <p:spPr>
+          <a:xfrm flipV="1">
+            <a:off x="3636143" y="2379141"/>
+            <a:ext cx="819" cy="1297509"/>
+          </a:xfrm>
+          <a:prstGeom prst="line">
+            <a:avLst/>
+          </a:prstGeom>
+          <a:ln>
+            <a:solidFill>
+              <a:schemeClr val="tx1"/>
+            </a:solidFill>
+            <a:prstDash val="solid"/>
+          </a:ln>
+        </p:spPr>
+        <p:style>
+          <a:lnRef idx="1">
+            <a:schemeClr val="accent1"/>
+          </a:lnRef>
+          <a:fillRef idx="0">
+            <a:schemeClr val="accent1"/>
+          </a:fillRef>
+          <a:effectRef idx="0">
+            <a:schemeClr val="accent1"/>
+          </a:effectRef>
+          <a:fontRef idx="minor">
+            <a:schemeClr val="tx1"/>
+          </a:fontRef>
+        </p:style>
+      </p:cxnSp>
+      <p:cxnSp>
+        <p:nvCxnSpPr>
+          <p:cNvPr id="17" name="直線矢印コネクタ 16">
+            <a:extLst>
+              <a:ext uri="{FF2B5EF4-FFF2-40B4-BE49-F238E27FC236}">
+                <a16:creationId xmlns:a16="http://schemas.microsoft.com/office/drawing/2014/main" id="{AAAF0F64-C3E0-4296-35E6-D69B9B2ABA84}"/>
+              </a:ext>
+            </a:extLst>
+          </p:cNvPr>
+          <p:cNvCxnSpPr>
+            <a:cxnSpLocks/>
+          </p:cNvCxnSpPr>
+          <p:nvPr/>
+        </p:nvCxnSpPr>
+        <p:spPr>
+          <a:xfrm>
+            <a:off x="3636143" y="3680891"/>
+            <a:ext cx="524644" cy="0"/>
+          </a:xfrm>
+          <a:prstGeom prst="straightConnector1">
+            <a:avLst/>
+          </a:prstGeom>
+          <a:ln>
+            <a:tailEnd type="triangle"/>
+          </a:ln>
+        </p:spPr>
+        <p:style>
+          <a:lnRef idx="1">
+            <a:schemeClr val="dk1"/>
+          </a:lnRef>
+          <a:fillRef idx="0">
+            <a:schemeClr val="dk1"/>
+          </a:fillRef>
+          <a:effectRef idx="0">
+            <a:schemeClr val="dk1"/>
+          </a:effectRef>
+          <a:fontRef idx="minor">
+            <a:schemeClr val="tx1"/>
+          </a:fontRef>
+        </p:style>
+      </p:cxnSp>
+      <p:sp>
+        <p:nvSpPr>
+          <p:cNvPr id="18" name="正方形/長方形 17">
+            <a:extLst>
+              <a:ext uri="{FF2B5EF4-FFF2-40B4-BE49-F238E27FC236}">
+                <a16:creationId xmlns:a16="http://schemas.microsoft.com/office/drawing/2014/main" id="{2715807B-B0DA-84BF-7450-DBB20E06C96E}"/>
+              </a:ext>
+            </a:extLst>
+          </p:cNvPr>
+          <p:cNvSpPr/>
+          <p:nvPr/>
+        </p:nvSpPr>
+        <p:spPr>
+          <a:xfrm>
+            <a:off x="4160787" y="3305177"/>
+            <a:ext cx="1301750" cy="742946"/>
+          </a:xfrm>
+          <a:prstGeom prst="rect">
+            <a:avLst/>
+          </a:prstGeom>
+          <a:noFill/>
+          <a:ln w="12700">
+            <a:solidFill>
+              <a:schemeClr val="tx1"/>
+            </a:solidFill>
+          </a:ln>
+        </p:spPr>
+        <p:style>
+          <a:lnRef idx="2">
+            <a:schemeClr val="accent1">
+              <a:shade val="50000"/>
+            </a:schemeClr>
+          </a:lnRef>
+          <a:fillRef idx="1">
+            <a:schemeClr val="accent1"/>
+          </a:fillRef>
+          <a:effectRef idx="0">
+            <a:schemeClr val="accent1"/>
+          </a:effectRef>
+          <a:fontRef idx="minor">
+            <a:schemeClr val="lt1"/>
+          </a:fontRef>
+        </p:style>
+        <p:txBody>
+          <a:bodyPr rtlCol="0" anchor="ctr"/>
+          <a:lstStyle/>
+          <a:p>
+            <a:pPr algn="ctr"/>
+            <a:endParaRPr kumimoji="1" lang="ja-JP" altLang="en-US"/>
+          </a:p>
+        </p:txBody>
+      </p:sp>
+      <p:cxnSp>
+        <p:nvCxnSpPr>
+          <p:cNvPr id="19" name="直線コネクタ 18">
+            <a:extLst>
+              <a:ext uri="{FF2B5EF4-FFF2-40B4-BE49-F238E27FC236}">
+                <a16:creationId xmlns:a16="http://schemas.microsoft.com/office/drawing/2014/main" id="{2FAE4BBC-2CFF-A8A3-C0E4-962D277EF361}"/>
+              </a:ext>
+            </a:extLst>
+          </p:cNvPr>
+          <p:cNvCxnSpPr>
+            <a:cxnSpLocks/>
+          </p:cNvCxnSpPr>
+          <p:nvPr/>
+        </p:nvCxnSpPr>
+        <p:spPr>
+          <a:xfrm flipV="1">
+            <a:off x="5805336" y="2379140"/>
+            <a:ext cx="819" cy="1297509"/>
+          </a:xfrm>
+          <a:prstGeom prst="line">
+            <a:avLst/>
+          </a:prstGeom>
+          <a:ln>
+            <a:solidFill>
+              <a:schemeClr val="tx1"/>
+            </a:solidFill>
+            <a:prstDash val="solid"/>
+          </a:ln>
+        </p:spPr>
+        <p:style>
+          <a:lnRef idx="1">
+            <a:schemeClr val="accent1"/>
+          </a:lnRef>
+          <a:fillRef idx="0">
+            <a:schemeClr val="accent1"/>
+          </a:fillRef>
+          <a:effectRef idx="0">
+            <a:schemeClr val="accent1"/>
+          </a:effectRef>
+          <a:fontRef idx="minor">
+            <a:schemeClr val="tx1"/>
+          </a:fontRef>
+        </p:style>
+      </p:cxnSp>
+      <p:cxnSp>
+        <p:nvCxnSpPr>
+          <p:cNvPr id="20" name="直線コネクタ 19">
+            <a:extLst>
+              <a:ext uri="{FF2B5EF4-FFF2-40B4-BE49-F238E27FC236}">
+                <a16:creationId xmlns:a16="http://schemas.microsoft.com/office/drawing/2014/main" id="{D7211203-EE4C-909F-4B8F-533000A05862}"/>
+              </a:ext>
+            </a:extLst>
+          </p:cNvPr>
+          <p:cNvCxnSpPr>
+            <a:cxnSpLocks/>
+          </p:cNvCxnSpPr>
+          <p:nvPr/>
+        </p:nvCxnSpPr>
+        <p:spPr>
+          <a:xfrm flipH="1">
+            <a:off x="5471243" y="3676650"/>
+            <a:ext cx="334912" cy="829"/>
+          </a:xfrm>
+          <a:prstGeom prst="line">
+            <a:avLst/>
+          </a:prstGeom>
+          <a:ln>
+            <a:solidFill>
+              <a:schemeClr val="tx1"/>
+            </a:solidFill>
+            <a:prstDash val="solid"/>
+          </a:ln>
+        </p:spPr>
+        <p:style>
+          <a:lnRef idx="1">
+            <a:schemeClr val="accent1"/>
+          </a:lnRef>
+          <a:fillRef idx="0">
+            <a:schemeClr val="accent1"/>
+          </a:fillRef>
+          <a:effectRef idx="0">
+            <a:schemeClr val="accent1"/>
+          </a:effectRef>
+          <a:fontRef idx="minor">
+            <a:schemeClr val="tx1"/>
+          </a:fontRef>
+        </p:style>
+      </p:cxnSp>
+      <p:cxnSp>
+        <p:nvCxnSpPr>
+          <p:cNvPr id="21" name="直線矢印コネクタ 20">
+            <a:extLst>
+              <a:ext uri="{FF2B5EF4-FFF2-40B4-BE49-F238E27FC236}">
+                <a16:creationId xmlns:a16="http://schemas.microsoft.com/office/drawing/2014/main" id="{1A6B4967-26AD-7B96-9533-1C5F3D9AF489}"/>
+              </a:ext>
+            </a:extLst>
+          </p:cNvPr>
+          <p:cNvCxnSpPr>
+            <a:cxnSpLocks/>
+          </p:cNvCxnSpPr>
+          <p:nvPr/>
+        </p:nvCxnSpPr>
+        <p:spPr>
+          <a:xfrm>
+            <a:off x="5462537" y="2379140"/>
+            <a:ext cx="728713" cy="0"/>
+          </a:xfrm>
+          <a:prstGeom prst="straightConnector1">
+            <a:avLst/>
+          </a:prstGeom>
+          <a:ln>
+            <a:tailEnd type="triangle"/>
+          </a:ln>
+        </p:spPr>
+        <p:style>
+          <a:lnRef idx="1">
+            <a:schemeClr val="dk1"/>
+          </a:lnRef>
+          <a:fillRef idx="0">
+            <a:schemeClr val="dk1"/>
+          </a:fillRef>
+          <a:effectRef idx="0">
+            <a:schemeClr val="dk1"/>
+          </a:effectRef>
+          <a:fontRef idx="minor">
+            <a:schemeClr val="tx1"/>
+          </a:fontRef>
+        </p:style>
+      </p:cxnSp>
+      <p:sp>
+        <p:nvSpPr>
+          <p:cNvPr id="24" name="正方形/長方形 23">
+            <a:extLst>
+              <a:ext uri="{FF2B5EF4-FFF2-40B4-BE49-F238E27FC236}">
+                <a16:creationId xmlns:a16="http://schemas.microsoft.com/office/drawing/2014/main" id="{BBBE846C-53C7-072F-BAB5-E9B8D71D9D4E}"/>
+              </a:ext>
+            </a:extLst>
+          </p:cNvPr>
+          <p:cNvSpPr/>
+          <p:nvPr/>
+        </p:nvSpPr>
+        <p:spPr>
+          <a:xfrm>
+            <a:off x="6188641" y="2007668"/>
+            <a:ext cx="1301750" cy="742946"/>
+          </a:xfrm>
+          <a:prstGeom prst="rect">
+            <a:avLst/>
+          </a:prstGeom>
+          <a:noFill/>
+          <a:ln w="12700">
+            <a:solidFill>
+              <a:schemeClr val="tx1"/>
+            </a:solidFill>
+          </a:ln>
+        </p:spPr>
+        <p:style>
+          <a:lnRef idx="2">
+            <a:schemeClr val="accent1">
+              <a:shade val="50000"/>
+            </a:schemeClr>
+          </a:lnRef>
+          <a:fillRef idx="1">
+            <a:schemeClr val="accent1"/>
+          </a:fillRef>
+          <a:effectRef idx="0">
+            <a:schemeClr val="accent1"/>
+          </a:effectRef>
+          <a:fontRef idx="minor">
+            <a:schemeClr val="lt1"/>
+          </a:fontRef>
+        </p:style>
+        <p:txBody>
+          <a:bodyPr rtlCol="0" anchor="ctr"/>
+          <a:lstStyle/>
+          <a:p>
+            <a:pPr algn="ctr"/>
+            <a:endParaRPr kumimoji="1" lang="ja-JP" altLang="en-US"/>
+          </a:p>
+        </p:txBody>
+      </p:sp>
+      <p:sp>
+        <p:nvSpPr>
+          <p:cNvPr id="26" name="楕円 25">
+            <a:extLst>
+              <a:ext uri="{FF2B5EF4-FFF2-40B4-BE49-F238E27FC236}">
+                <a16:creationId xmlns:a16="http://schemas.microsoft.com/office/drawing/2014/main" id="{EEFF6725-AB37-0AE2-F64C-085AE0AE6DC1}"/>
+              </a:ext>
+            </a:extLst>
+          </p:cNvPr>
+          <p:cNvSpPr/>
+          <p:nvPr/>
+        </p:nvSpPr>
+        <p:spPr>
+          <a:xfrm>
+            <a:off x="5756123" y="2330044"/>
+            <a:ext cx="98425" cy="98195"/>
+          </a:xfrm>
+          <a:prstGeom prst="ellipse">
+            <a:avLst/>
+          </a:prstGeom>
+          <a:solidFill>
+            <a:schemeClr val="tx1"/>
+          </a:solidFill>
+          <a:ln>
+            <a:noFill/>
+          </a:ln>
+        </p:spPr>
+        <p:style>
+          <a:lnRef idx="2">
+            <a:schemeClr val="accent1">
+              <a:shade val="50000"/>
+            </a:schemeClr>
+          </a:lnRef>
+          <a:fillRef idx="1">
+            <a:schemeClr val="accent1"/>
+          </a:fillRef>
+          <a:effectRef idx="0">
+            <a:schemeClr val="accent1"/>
+          </a:effectRef>
+          <a:fontRef idx="minor">
+            <a:schemeClr val="lt1"/>
+          </a:fontRef>
+        </p:style>
+        <p:txBody>
+          <a:bodyPr rtlCol="0" anchor="ctr"/>
+          <a:lstStyle/>
+          <a:p>
+            <a:pPr algn="ctr"/>
+            <a:endParaRPr kumimoji="1" lang="ja-JP" altLang="en-US"/>
+          </a:p>
+        </p:txBody>
+      </p:sp>
+      <p:cxnSp>
+        <p:nvCxnSpPr>
+          <p:cNvPr id="29" name="直線矢印コネクタ 28">
+            <a:extLst>
+              <a:ext uri="{FF2B5EF4-FFF2-40B4-BE49-F238E27FC236}">
+                <a16:creationId xmlns:a16="http://schemas.microsoft.com/office/drawing/2014/main" id="{25100E15-BD77-4134-9D77-BE5C9AB2C2C5}"/>
+              </a:ext>
+            </a:extLst>
+          </p:cNvPr>
+          <p:cNvCxnSpPr>
+            <a:cxnSpLocks/>
+          </p:cNvCxnSpPr>
+          <p:nvPr/>
+        </p:nvCxnSpPr>
+        <p:spPr>
+          <a:xfrm>
+            <a:off x="7490391" y="2379140"/>
+            <a:ext cx="728713" cy="0"/>
+          </a:xfrm>
+          <a:prstGeom prst="straightConnector1">
+            <a:avLst/>
+          </a:prstGeom>
+          <a:ln>
+            <a:tailEnd type="triangle"/>
+          </a:ln>
+        </p:spPr>
+        <p:style>
+          <a:lnRef idx="1">
+            <a:schemeClr val="dk1"/>
+          </a:lnRef>
+          <a:fillRef idx="0">
+            <a:schemeClr val="dk1"/>
+          </a:fillRef>
+          <a:effectRef idx="0">
+            <a:schemeClr val="dk1"/>
+          </a:effectRef>
+          <a:fontRef idx="minor">
+            <a:schemeClr val="tx1"/>
+          </a:fontRef>
+        </p:style>
+      </p:cxnSp>
+      <p:sp>
+        <p:nvSpPr>
+          <p:cNvPr id="30" name="正方形/長方形 29">
+            <a:extLst>
+              <a:ext uri="{FF2B5EF4-FFF2-40B4-BE49-F238E27FC236}">
+                <a16:creationId xmlns:a16="http://schemas.microsoft.com/office/drawing/2014/main" id="{4B4C70A8-87E2-BAD8-5E03-B5106ACCAF59}"/>
+              </a:ext>
+            </a:extLst>
+          </p:cNvPr>
+          <p:cNvSpPr/>
+          <p:nvPr/>
+        </p:nvSpPr>
+        <p:spPr>
+          <a:xfrm>
+            <a:off x="8216495" y="2007668"/>
+            <a:ext cx="1301750" cy="742946"/>
+          </a:xfrm>
+          <a:prstGeom prst="rect">
+            <a:avLst/>
+          </a:prstGeom>
+          <a:noFill/>
+          <a:ln w="12700">
+            <a:solidFill>
+              <a:schemeClr val="tx1"/>
+            </a:solidFill>
+          </a:ln>
+        </p:spPr>
+        <p:style>
+          <a:lnRef idx="2">
+            <a:schemeClr val="accent1">
+              <a:shade val="50000"/>
+            </a:schemeClr>
+          </a:lnRef>
+          <a:fillRef idx="1">
+            <a:schemeClr val="accent1"/>
+          </a:fillRef>
+          <a:effectRef idx="0">
+            <a:schemeClr val="accent1"/>
+          </a:effectRef>
+          <a:fontRef idx="minor">
+            <a:schemeClr val="lt1"/>
+          </a:fontRef>
+        </p:style>
+        <p:txBody>
+          <a:bodyPr rtlCol="0" anchor="ctr"/>
+          <a:lstStyle/>
+          <a:p>
+            <a:pPr algn="ctr"/>
+            <a:endParaRPr kumimoji="1" lang="ja-JP" altLang="en-US"/>
+          </a:p>
+        </p:txBody>
+      </p:sp>
+      <p:cxnSp>
+        <p:nvCxnSpPr>
+          <p:cNvPr id="31" name="直線コネクタ 30">
+            <a:extLst>
+              <a:ext uri="{FF2B5EF4-FFF2-40B4-BE49-F238E27FC236}">
+                <a16:creationId xmlns:a16="http://schemas.microsoft.com/office/drawing/2014/main" id="{E7566C58-EC27-FF45-82A0-66BCE5C52B97}"/>
+              </a:ext>
+            </a:extLst>
+          </p:cNvPr>
+          <p:cNvCxnSpPr>
+            <a:cxnSpLocks/>
+          </p:cNvCxnSpPr>
+          <p:nvPr/>
+        </p:nvCxnSpPr>
+        <p:spPr>
+          <a:xfrm flipV="1">
+            <a:off x="6839516" y="2764359"/>
+            <a:ext cx="0" cy="1704987"/>
+          </a:xfrm>
+          <a:prstGeom prst="line">
+            <a:avLst/>
+          </a:prstGeom>
+          <a:ln>
+            <a:solidFill>
+              <a:schemeClr val="tx1"/>
+            </a:solidFill>
+            <a:prstDash val="solid"/>
+          </a:ln>
+        </p:spPr>
+        <p:style>
+          <a:lnRef idx="1">
+            <a:schemeClr val="accent1"/>
+          </a:lnRef>
+          <a:fillRef idx="0">
+            <a:schemeClr val="accent1"/>
+          </a:fillRef>
+          <a:effectRef idx="0">
+            <a:schemeClr val="accent1"/>
+          </a:effectRef>
+          <a:fontRef idx="minor">
+            <a:schemeClr val="tx1"/>
+          </a:fontRef>
+        </p:style>
+      </p:cxnSp>
+      <p:cxnSp>
+        <p:nvCxnSpPr>
+          <p:cNvPr id="33" name="直線コネクタ 32">
+            <a:extLst>
+              <a:ext uri="{FF2B5EF4-FFF2-40B4-BE49-F238E27FC236}">
+                <a16:creationId xmlns:a16="http://schemas.microsoft.com/office/drawing/2014/main" id="{AFFDE6BB-BD56-22EE-92E8-2B1E0E6CD3E8}"/>
+              </a:ext>
+            </a:extLst>
+          </p:cNvPr>
+          <p:cNvCxnSpPr>
+            <a:cxnSpLocks/>
+            <a:stCxn id="30" idx="0"/>
+          </p:cNvCxnSpPr>
+          <p:nvPr/>
+        </p:nvCxnSpPr>
+        <p:spPr>
+          <a:xfrm flipV="1">
+            <a:off x="8867370" y="1415063"/>
+            <a:ext cx="0" cy="592605"/>
+          </a:xfrm>
+          <a:prstGeom prst="line">
+            <a:avLst/>
+          </a:prstGeom>
+          <a:ln>
+            <a:solidFill>
+              <a:schemeClr val="tx1"/>
+            </a:solidFill>
+            <a:prstDash val="solid"/>
+          </a:ln>
+        </p:spPr>
+        <p:style>
+          <a:lnRef idx="1">
+            <a:schemeClr val="accent1"/>
+          </a:lnRef>
+          <a:fillRef idx="0">
+            <a:schemeClr val="accent1"/>
+          </a:fillRef>
+          <a:effectRef idx="0">
+            <a:schemeClr val="accent1"/>
+          </a:effectRef>
+          <a:fontRef idx="minor">
+            <a:schemeClr val="tx1"/>
+          </a:fontRef>
+        </p:style>
+      </p:cxnSp>
+      <p:cxnSp>
+        <p:nvCxnSpPr>
+          <p:cNvPr id="35" name="直線コネクタ 34">
+            <a:extLst>
+              <a:ext uri="{FF2B5EF4-FFF2-40B4-BE49-F238E27FC236}">
+                <a16:creationId xmlns:a16="http://schemas.microsoft.com/office/drawing/2014/main" id="{681FFE3D-54A9-22DA-9446-ABC54C5021D8}"/>
+              </a:ext>
+            </a:extLst>
+          </p:cNvPr>
+          <p:cNvCxnSpPr>
+            <a:cxnSpLocks/>
+          </p:cNvCxnSpPr>
+          <p:nvPr/>
+        </p:nvCxnSpPr>
+        <p:spPr>
+          <a:xfrm flipH="1">
+            <a:off x="3179353" y="4463410"/>
+            <a:ext cx="3661467" cy="19681"/>
+          </a:xfrm>
+          <a:prstGeom prst="line">
+            <a:avLst/>
+          </a:prstGeom>
+          <a:ln>
+            <a:solidFill>
+              <a:schemeClr val="tx1"/>
+            </a:solidFill>
+            <a:prstDash val="solid"/>
+          </a:ln>
+        </p:spPr>
+        <p:style>
+          <a:lnRef idx="1">
+            <a:schemeClr val="accent1"/>
+          </a:lnRef>
+          <a:fillRef idx="0">
+            <a:schemeClr val="accent1"/>
+          </a:fillRef>
+          <a:effectRef idx="0">
+            <a:schemeClr val="accent1"/>
+          </a:effectRef>
+          <a:fontRef idx="minor">
+            <a:schemeClr val="tx1"/>
+          </a:fontRef>
+        </p:style>
+      </p:cxnSp>
+      <p:cxnSp>
+        <p:nvCxnSpPr>
+          <p:cNvPr id="41" name="直線矢印コネクタ 40">
+            <a:extLst>
+              <a:ext uri="{FF2B5EF4-FFF2-40B4-BE49-F238E27FC236}">
+                <a16:creationId xmlns:a16="http://schemas.microsoft.com/office/drawing/2014/main" id="{9054892D-2658-CF54-5E9F-C719DBAFD9AF}"/>
+              </a:ext>
+            </a:extLst>
+          </p:cNvPr>
+          <p:cNvCxnSpPr>
+            <a:cxnSpLocks/>
+          </p:cNvCxnSpPr>
+          <p:nvPr/>
+        </p:nvCxnSpPr>
+        <p:spPr>
+          <a:xfrm flipV="1">
+            <a:off x="3179353" y="2446871"/>
+            <a:ext cx="0" cy="2036220"/>
+          </a:xfrm>
+          <a:prstGeom prst="straightConnector1">
+            <a:avLst/>
+          </a:prstGeom>
+          <a:ln>
+            <a:tailEnd type="triangle"/>
+          </a:ln>
+        </p:spPr>
+        <p:style>
+          <a:lnRef idx="1">
+            <a:schemeClr val="dk1"/>
+          </a:lnRef>
+          <a:fillRef idx="0">
+            <a:schemeClr val="dk1"/>
+          </a:fillRef>
+          <a:effectRef idx="0">
+            <a:schemeClr val="dk1"/>
+          </a:effectRef>
+          <a:fontRef idx="minor">
+            <a:schemeClr val="tx1"/>
+          </a:fontRef>
+        </p:style>
+      </p:cxnSp>
+      <p:cxnSp>
+        <p:nvCxnSpPr>
+          <p:cNvPr id="44" name="直線矢印コネクタ 43">
+            <a:extLst>
+              <a:ext uri="{FF2B5EF4-FFF2-40B4-BE49-F238E27FC236}">
+                <a16:creationId xmlns:a16="http://schemas.microsoft.com/office/drawing/2014/main" id="{4CE7FE8F-40D7-A383-9C6D-B5260D072234}"/>
+              </a:ext>
+            </a:extLst>
+          </p:cNvPr>
+          <p:cNvCxnSpPr>
+            <a:cxnSpLocks/>
+          </p:cNvCxnSpPr>
+          <p:nvPr/>
+        </p:nvCxnSpPr>
+        <p:spPr>
+          <a:xfrm>
+            <a:off x="4802703" y="1437916"/>
+            <a:ext cx="0" cy="557205"/>
+          </a:xfrm>
+          <a:prstGeom prst="straightConnector1">
+            <a:avLst/>
+          </a:prstGeom>
+          <a:ln>
+            <a:tailEnd type="triangle"/>
+          </a:ln>
+        </p:spPr>
+        <p:style>
+          <a:lnRef idx="1">
+            <a:schemeClr val="dk1"/>
+          </a:lnRef>
+          <a:fillRef idx="0">
+            <a:schemeClr val="dk1"/>
+          </a:fillRef>
+          <a:effectRef idx="0">
+            <a:schemeClr val="dk1"/>
+          </a:effectRef>
+          <a:fontRef idx="minor">
+            <a:schemeClr val="tx1"/>
+          </a:fontRef>
+        </p:style>
+      </p:cxnSp>
+      <p:cxnSp>
+        <p:nvCxnSpPr>
+          <p:cNvPr id="57" name="直線コネクタ 56">
+            <a:extLst>
+              <a:ext uri="{FF2B5EF4-FFF2-40B4-BE49-F238E27FC236}">
+                <a16:creationId xmlns:a16="http://schemas.microsoft.com/office/drawing/2014/main" id="{E65A293D-B677-3B01-7694-F47F3E876FA8}"/>
+              </a:ext>
+            </a:extLst>
+          </p:cNvPr>
+          <p:cNvCxnSpPr>
+            <a:cxnSpLocks/>
+          </p:cNvCxnSpPr>
+          <p:nvPr/>
+        </p:nvCxnSpPr>
+        <p:spPr>
+          <a:xfrm flipH="1">
+            <a:off x="4802703" y="1399084"/>
+            <a:ext cx="4064667" cy="31959"/>
+          </a:xfrm>
+          <a:prstGeom prst="line">
+            <a:avLst/>
+          </a:prstGeom>
+          <a:ln>
+            <a:solidFill>
+              <a:schemeClr val="tx1"/>
+            </a:solidFill>
+            <a:prstDash val="solid"/>
+          </a:ln>
+        </p:spPr>
+        <p:style>
+          <a:lnRef idx="1">
+            <a:schemeClr val="accent1"/>
+          </a:lnRef>
+          <a:fillRef idx="0">
+            <a:schemeClr val="accent1"/>
+          </a:fillRef>
+          <a:effectRef idx="0">
+            <a:schemeClr val="accent1"/>
+          </a:effectRef>
+          <a:fontRef idx="minor">
+            <a:schemeClr val="tx1"/>
+          </a:fontRef>
+        </p:style>
+      </p:cxnSp>
+      <mc:AlternateContent xmlns:mc="http://schemas.openxmlformats.org/markup-compatibility/2006">
+        <mc:Choice xmlns:a14="http://schemas.microsoft.com/office/drawing/2010/main" Requires="a14">
+          <p:sp>
+            <p:nvSpPr>
+              <p:cNvPr id="61" name="テキスト ボックス 60">
+                <a:extLst>
+                  <a:ext uri="{FF2B5EF4-FFF2-40B4-BE49-F238E27FC236}">
+                    <a16:creationId xmlns:a16="http://schemas.microsoft.com/office/drawing/2014/main" id="{A63A248D-0C80-F284-BBE4-B07A174D0928}"/>
+                  </a:ext>
+                </a:extLst>
+              </p:cNvPr>
+              <p:cNvSpPr txBox="1"/>
+              <p:nvPr/>
+            </p:nvSpPr>
+            <p:spPr>
+              <a:xfrm>
+                <a:off x="2748576" y="2053045"/>
+                <a:ext cx="343363" cy="276999"/>
+              </a:xfrm>
+              <a:prstGeom prst="rect">
+                <a:avLst/>
+              </a:prstGeom>
+              <a:noFill/>
+            </p:spPr>
+            <p:txBody>
+              <a:bodyPr wrap="none" rtlCol="0">
+                <a:spAutoFit/>
+              </a:bodyPr>
+              <a:lstStyle/>
+              <a:p>
+                <a:pPr/>
+                <a14:m>
+                  <m:oMathPara xmlns:m="http://schemas.openxmlformats.org/officeDocument/2006/math">
+                    <m:oMathParaPr>
+                      <m:jc m:val="centerGroup"/>
+                    </m:oMathParaPr>
+                    <m:oMath xmlns:m="http://schemas.openxmlformats.org/officeDocument/2006/math">
+                      <m:r>
+                        <a:rPr kumimoji="1" lang="en-US" altLang="ja-JP" sz="1200" b="1" i="1" smtClean="0">
+                          <a:latin typeface="Cambria Math" panose="02040503050406030204" pitchFamily="18" charset="0"/>
+                          <a:ea typeface="Cambria Math" panose="02040503050406030204" pitchFamily="18" charset="0"/>
+                        </a:rPr>
+                        <m:t>+</m:t>
+                      </m:r>
+                    </m:oMath>
+                  </m:oMathPara>
+                </a14:m>
+                <a:endParaRPr kumimoji="1" lang="ja-JP" altLang="en-US" sz="1200" b="1" dirty="0">
+                  <a:latin typeface="+mj-ea"/>
+                  <a:ea typeface="+mj-ea"/>
+                </a:endParaRPr>
+              </a:p>
+            </p:txBody>
+          </p:sp>
+        </mc:Choice>
+        <mc:Fallback>
+          <p:sp>
+            <p:nvSpPr>
+              <p:cNvPr id="61" name="テキスト ボックス 60">
+                <a:extLst>
+                  <a:ext uri="{FF2B5EF4-FFF2-40B4-BE49-F238E27FC236}">
+                    <a16:creationId xmlns:a16="http://schemas.microsoft.com/office/drawing/2014/main" id="{A63A248D-0C80-F284-BBE4-B07A174D0928}"/>
+                  </a:ext>
+                </a:extLst>
+              </p:cNvPr>
+              <p:cNvSpPr txBox="1">
+                <a:spLocks noRot="1" noChangeAspect="1" noMove="1" noResize="1" noEditPoints="1" noAdjustHandles="1" noChangeArrowheads="1" noChangeShapeType="1" noTextEdit="1"/>
+              </p:cNvSpPr>
+              <p:nvPr/>
+            </p:nvSpPr>
+            <p:spPr>
+              <a:xfrm>
+                <a:off x="2748576" y="2053045"/>
+                <a:ext cx="343363" cy="276999"/>
+              </a:xfrm>
+              <a:prstGeom prst="rect">
+                <a:avLst/>
+              </a:prstGeom>
+              <a:blipFill>
+                <a:blip r:embed="rId2"/>
+                <a:stretch>
+                  <a:fillRect/>
+                </a:stretch>
+              </a:blipFill>
+            </p:spPr>
+            <p:txBody>
+              <a:bodyPr/>
+              <a:lstStyle/>
+              <a:p>
+                <a:r>
+                  <a:rPr lang="ja-JP" altLang="en-US">
+                    <a:noFill/>
+                  </a:rPr>
+                  <a:t> </a:t>
+                </a:r>
+              </a:p>
+            </p:txBody>
+          </p:sp>
+        </mc:Fallback>
+      </mc:AlternateContent>
+      <mc:AlternateContent xmlns:mc="http://schemas.openxmlformats.org/markup-compatibility/2006">
+        <mc:Choice xmlns:a14="http://schemas.microsoft.com/office/drawing/2010/main" Requires="a14">
+          <p:sp>
+            <p:nvSpPr>
+              <p:cNvPr id="62" name="テキスト ボックス 61">
+                <a:extLst>
+                  <a:ext uri="{FF2B5EF4-FFF2-40B4-BE49-F238E27FC236}">
+                    <a16:creationId xmlns:a16="http://schemas.microsoft.com/office/drawing/2014/main" id="{D294818A-F25C-F95A-9E37-5D389A241179}"/>
+                  </a:ext>
+                </a:extLst>
+              </p:cNvPr>
+              <p:cNvSpPr txBox="1"/>
+              <p:nvPr/>
+            </p:nvSpPr>
+            <p:spPr>
+              <a:xfrm>
+                <a:off x="3194611" y="2530052"/>
+                <a:ext cx="343364" cy="276999"/>
+              </a:xfrm>
+              <a:prstGeom prst="rect">
+                <a:avLst/>
+              </a:prstGeom>
+              <a:noFill/>
+            </p:spPr>
+            <p:txBody>
+              <a:bodyPr wrap="none" rtlCol="0">
+                <a:spAutoFit/>
+              </a:bodyPr>
+              <a:lstStyle/>
+              <a:p>
+                <a:pPr/>
+                <a14:m>
+                  <m:oMathPara xmlns:m="http://schemas.openxmlformats.org/officeDocument/2006/math">
+                    <m:oMathParaPr>
+                      <m:jc m:val="centerGroup"/>
+                    </m:oMathParaPr>
+                    <m:oMath xmlns:m="http://schemas.openxmlformats.org/officeDocument/2006/math">
+                      <m:r>
+                        <a:rPr kumimoji="1" lang="en-US" altLang="ja-JP" sz="1200" b="1" i="1" smtClean="0">
+                          <a:latin typeface="Cambria Math" panose="02040503050406030204" pitchFamily="18" charset="0"/>
+                          <a:ea typeface="+mj-ea"/>
+                        </a:rPr>
+                        <m:t>−</m:t>
+                      </m:r>
+                    </m:oMath>
+                  </m:oMathPara>
+                </a14:m>
+                <a:endParaRPr kumimoji="1" lang="ja-JP" altLang="en-US" sz="1200" b="1" dirty="0">
+                  <a:latin typeface="+mj-ea"/>
+                  <a:ea typeface="+mj-ea"/>
+                </a:endParaRPr>
+              </a:p>
+            </p:txBody>
+          </p:sp>
+        </mc:Choice>
+        <mc:Fallback>
+          <p:sp>
+            <p:nvSpPr>
+              <p:cNvPr id="62" name="テキスト ボックス 61">
+                <a:extLst>
+                  <a:ext uri="{FF2B5EF4-FFF2-40B4-BE49-F238E27FC236}">
+                    <a16:creationId xmlns:a16="http://schemas.microsoft.com/office/drawing/2014/main" id="{D294818A-F25C-F95A-9E37-5D389A241179}"/>
+                  </a:ext>
+                </a:extLst>
+              </p:cNvPr>
+              <p:cNvSpPr txBox="1">
+                <a:spLocks noRot="1" noChangeAspect="1" noMove="1" noResize="1" noEditPoints="1" noAdjustHandles="1" noChangeArrowheads="1" noChangeShapeType="1" noTextEdit="1"/>
+              </p:cNvSpPr>
+              <p:nvPr/>
+            </p:nvSpPr>
+            <p:spPr>
+              <a:xfrm>
+                <a:off x="3194611" y="2530052"/>
+                <a:ext cx="343364" cy="276999"/>
+              </a:xfrm>
+              <a:prstGeom prst="rect">
+                <a:avLst/>
+              </a:prstGeom>
+              <a:blipFill>
+                <a:blip r:embed="rId3"/>
+                <a:stretch>
+                  <a:fillRect/>
+                </a:stretch>
+              </a:blipFill>
+            </p:spPr>
+            <p:txBody>
+              <a:bodyPr/>
+              <a:lstStyle/>
+              <a:p>
+                <a:r>
+                  <a:rPr lang="ja-JP" altLang="en-US">
+                    <a:noFill/>
+                  </a:rPr>
+                  <a:t> </a:t>
+                </a:r>
+              </a:p>
+            </p:txBody>
+          </p:sp>
+        </mc:Fallback>
+      </mc:AlternateContent>
+      <mc:AlternateContent xmlns:mc="http://schemas.openxmlformats.org/markup-compatibility/2006">
+        <mc:Choice xmlns:a14="http://schemas.microsoft.com/office/drawing/2010/main" Requires="a14">
+          <p:sp>
+            <p:nvSpPr>
+              <p:cNvPr id="63" name="テキスト ボックス 62">
+                <a:extLst>
+                  <a:ext uri="{FF2B5EF4-FFF2-40B4-BE49-F238E27FC236}">
+                    <a16:creationId xmlns:a16="http://schemas.microsoft.com/office/drawing/2014/main" id="{FFB4343C-D67E-5A47-1AFD-52EFB18A2C13}"/>
+                  </a:ext>
+                </a:extLst>
+              </p:cNvPr>
+              <p:cNvSpPr txBox="1"/>
+              <p:nvPr/>
+            </p:nvSpPr>
+            <p:spPr>
+              <a:xfrm>
+                <a:off x="4321635" y="3413861"/>
+                <a:ext cx="992579" cy="257443"/>
+              </a:xfrm>
+              <a:prstGeom prst="rect">
+                <a:avLst/>
+              </a:prstGeom>
+              <a:noFill/>
+            </p:spPr>
+            <p:txBody>
+              <a:bodyPr wrap="none" rtlCol="0">
+                <a:spAutoFit/>
+              </a:bodyPr>
+              <a:lstStyle/>
+              <a:p>
+                <a14:m>
+                  <m:oMathPara xmlns:m="http://schemas.openxmlformats.org/officeDocument/2006/math">
+                    <m:oMathParaPr>
+                      <m:jc m:val="centerGroup"/>
+                    </m:oMathParaPr>
+                    <m:oMath xmlns:m="http://schemas.openxmlformats.org/officeDocument/2006/math">
+                      <m:r>
+                        <m:rPr>
+                          <m:nor/>
+                        </m:rPr>
+                        <a:rPr lang="en-US" altLang="ja-JP" sz="1050"/>
+                        <m:t>PID</m:t>
+                      </m:r>
+                      <m:r>
+                        <m:rPr>
+                          <m:nor/>
+                        </m:rPr>
+                        <a:rPr lang="ja-JP" altLang="en-US" sz="1050"/>
+                        <m:t>制御器</m:t>
+                      </m:r>
+                      <m:r>
+                        <a:rPr lang="ja-JP" altLang="en-US" sz="1050" i="1">
+                          <a:latin typeface="Cambria Math" panose="02040503050406030204" pitchFamily="18" charset="0"/>
+                        </a:rPr>
+                        <m:t>①</m:t>
+                      </m:r>
+                    </m:oMath>
+                  </m:oMathPara>
+                </a14:m>
+                <a:endParaRPr lang="ja-JP" altLang="en-US" sz="1050" dirty="0"/>
+              </a:p>
+            </p:txBody>
+          </p:sp>
+        </mc:Choice>
+        <mc:Fallback>
+          <p:sp>
+            <p:nvSpPr>
+              <p:cNvPr id="63" name="テキスト ボックス 62">
+                <a:extLst>
+                  <a:ext uri="{FF2B5EF4-FFF2-40B4-BE49-F238E27FC236}">
+                    <a16:creationId xmlns:a16="http://schemas.microsoft.com/office/drawing/2014/main" id="{FFB4343C-D67E-5A47-1AFD-52EFB18A2C13}"/>
+                  </a:ext>
+                </a:extLst>
+              </p:cNvPr>
+              <p:cNvSpPr txBox="1">
+                <a:spLocks noRot="1" noChangeAspect="1" noMove="1" noResize="1" noEditPoints="1" noAdjustHandles="1" noChangeArrowheads="1" noChangeShapeType="1" noTextEdit="1"/>
+              </p:cNvSpPr>
+              <p:nvPr/>
+            </p:nvSpPr>
+            <p:spPr>
+              <a:xfrm>
+                <a:off x="4321635" y="3413861"/>
+                <a:ext cx="992579" cy="257443"/>
+              </a:xfrm>
+              <a:prstGeom prst="rect">
+                <a:avLst/>
+              </a:prstGeom>
+              <a:blipFill>
+                <a:blip r:embed="rId4"/>
+                <a:stretch>
+                  <a:fillRect/>
+                </a:stretch>
+              </a:blipFill>
+            </p:spPr>
+            <p:txBody>
+              <a:bodyPr/>
+              <a:lstStyle/>
+              <a:p>
+                <a:r>
+                  <a:rPr lang="ja-JP" altLang="en-US">
+                    <a:noFill/>
+                  </a:rPr>
+                  <a:t> </a:t>
+                </a:r>
+              </a:p>
+            </p:txBody>
+          </p:sp>
+        </mc:Fallback>
+      </mc:AlternateContent>
+      <mc:AlternateContent xmlns:mc="http://schemas.openxmlformats.org/markup-compatibility/2006">
+        <mc:Choice xmlns:a14="http://schemas.microsoft.com/office/drawing/2010/main" Requires="a14">
+          <p:sp>
+            <p:nvSpPr>
+              <p:cNvPr id="65" name="テキスト ボックス 64">
+                <a:extLst>
+                  <a:ext uri="{FF2B5EF4-FFF2-40B4-BE49-F238E27FC236}">
+                    <a16:creationId xmlns:a16="http://schemas.microsoft.com/office/drawing/2014/main" id="{89C79366-AD95-2870-40E7-AA917394E853}"/>
+                  </a:ext>
+                </a:extLst>
+              </p:cNvPr>
+              <p:cNvSpPr txBox="1"/>
+              <p:nvPr/>
+            </p:nvSpPr>
+            <p:spPr>
+              <a:xfrm>
+                <a:off x="4298558" y="2121697"/>
+                <a:ext cx="992579" cy="257443"/>
+              </a:xfrm>
+              <a:prstGeom prst="rect">
+                <a:avLst/>
+              </a:prstGeom>
+              <a:noFill/>
+            </p:spPr>
+            <p:txBody>
+              <a:bodyPr wrap="none" rtlCol="0">
+                <a:spAutoFit/>
+              </a:bodyPr>
+              <a:lstStyle/>
+              <a:p>
+                <a14:m>
+                  <m:oMathPara xmlns:m="http://schemas.openxmlformats.org/officeDocument/2006/math">
+                    <m:oMathParaPr>
+                      <m:jc m:val="centerGroup"/>
+                    </m:oMathParaPr>
+                    <m:oMath xmlns:m="http://schemas.openxmlformats.org/officeDocument/2006/math">
+                      <m:r>
+                        <m:rPr>
+                          <m:nor/>
+                        </m:rPr>
+                        <a:rPr lang="en-US" altLang="ja-JP" sz="1050"/>
+                        <m:t>PID</m:t>
+                      </m:r>
+                      <m:r>
+                        <m:rPr>
+                          <m:nor/>
+                        </m:rPr>
+                        <a:rPr lang="ja-JP" altLang="en-US" sz="1050"/>
+                        <m:t>制御器</m:t>
+                      </m:r>
+                      <m:r>
+                        <a:rPr lang="ja-JP" altLang="en-US" sz="1050" i="1">
+                          <a:latin typeface="Cambria Math" panose="02040503050406030204" pitchFamily="18" charset="0"/>
+                        </a:rPr>
+                        <m:t>②</m:t>
+                      </m:r>
+                    </m:oMath>
+                  </m:oMathPara>
+                </a14:m>
+                <a:endParaRPr lang="ja-JP" altLang="en-US" sz="1050" dirty="0"/>
+              </a:p>
+            </p:txBody>
+          </p:sp>
+        </mc:Choice>
+        <mc:Fallback>
+          <p:sp>
+            <p:nvSpPr>
+              <p:cNvPr id="65" name="テキスト ボックス 64">
+                <a:extLst>
+                  <a:ext uri="{FF2B5EF4-FFF2-40B4-BE49-F238E27FC236}">
+                    <a16:creationId xmlns:a16="http://schemas.microsoft.com/office/drawing/2014/main" id="{89C79366-AD95-2870-40E7-AA917394E853}"/>
+                  </a:ext>
+                </a:extLst>
+              </p:cNvPr>
+              <p:cNvSpPr txBox="1">
+                <a:spLocks noRot="1" noChangeAspect="1" noMove="1" noResize="1" noEditPoints="1" noAdjustHandles="1" noChangeArrowheads="1" noChangeShapeType="1" noTextEdit="1"/>
+              </p:cNvSpPr>
+              <p:nvPr/>
+            </p:nvSpPr>
+            <p:spPr>
+              <a:xfrm>
+                <a:off x="4298558" y="2121697"/>
+                <a:ext cx="992579" cy="257443"/>
+              </a:xfrm>
+              <a:prstGeom prst="rect">
+                <a:avLst/>
+              </a:prstGeom>
+              <a:blipFill>
+                <a:blip r:embed="rId5"/>
+                <a:stretch>
+                  <a:fillRect/>
+                </a:stretch>
+              </a:blipFill>
+            </p:spPr>
+            <p:txBody>
+              <a:bodyPr/>
+              <a:lstStyle/>
+              <a:p>
+                <a:r>
+                  <a:rPr lang="ja-JP" altLang="en-US">
+                    <a:noFill/>
+                  </a:rPr>
+                  <a:t> </a:t>
+                </a:r>
+              </a:p>
+            </p:txBody>
+          </p:sp>
+        </mc:Fallback>
+      </mc:AlternateContent>
+      <mc:AlternateContent xmlns:mc="http://schemas.openxmlformats.org/markup-compatibility/2006">
+        <mc:Choice xmlns:a14="http://schemas.microsoft.com/office/drawing/2010/main" Requires="a14">
+          <p:sp>
+            <p:nvSpPr>
+              <p:cNvPr id="66" name="テキスト ボックス 65">
+                <a:extLst>
+                  <a:ext uri="{FF2B5EF4-FFF2-40B4-BE49-F238E27FC236}">
+                    <a16:creationId xmlns:a16="http://schemas.microsoft.com/office/drawing/2014/main" id="{84D7CE7A-D575-6A76-9C17-449897CE7A75}"/>
+                  </a:ext>
+                </a:extLst>
+              </p:cNvPr>
+              <p:cNvSpPr txBox="1"/>
+              <p:nvPr/>
+            </p:nvSpPr>
+            <p:spPr>
+              <a:xfrm>
+                <a:off x="6521488" y="2117063"/>
+                <a:ext cx="627095" cy="253916"/>
+              </a:xfrm>
+              <a:prstGeom prst="rect">
+                <a:avLst/>
+              </a:prstGeom>
+              <a:noFill/>
+            </p:spPr>
+            <p:txBody>
+              <a:bodyPr wrap="none" rtlCol="0">
+                <a:spAutoFit/>
+              </a:bodyPr>
+              <a:lstStyle/>
+              <a:p>
+                <a14:m>
+                  <m:oMathPara xmlns:m="http://schemas.openxmlformats.org/officeDocument/2006/math">
+                    <m:oMathParaPr>
+                      <m:jc m:val="centerGroup"/>
+                    </m:oMathParaPr>
+                    <m:oMath xmlns:m="http://schemas.openxmlformats.org/officeDocument/2006/math">
+                      <m:r>
+                        <a:rPr lang="ja-JP" altLang="en-US" sz="1050" i="1">
+                          <a:latin typeface="Cambria Math" panose="02040503050406030204" pitchFamily="18" charset="0"/>
+                        </a:rPr>
+                        <m:t>トロリ</m:t>
+                      </m:r>
+                    </m:oMath>
+                  </m:oMathPara>
+                </a14:m>
+                <a:endParaRPr lang="ja-JP" altLang="en-US" sz="1050" dirty="0"/>
+              </a:p>
+            </p:txBody>
+          </p:sp>
+        </mc:Choice>
+        <mc:Fallback>
+          <p:sp>
+            <p:nvSpPr>
+              <p:cNvPr id="66" name="テキスト ボックス 65">
+                <a:extLst>
+                  <a:ext uri="{FF2B5EF4-FFF2-40B4-BE49-F238E27FC236}">
+                    <a16:creationId xmlns:a16="http://schemas.microsoft.com/office/drawing/2014/main" id="{84D7CE7A-D575-6A76-9C17-449897CE7A75}"/>
+                  </a:ext>
+                </a:extLst>
+              </p:cNvPr>
+              <p:cNvSpPr txBox="1">
+                <a:spLocks noRot="1" noChangeAspect="1" noMove="1" noResize="1" noEditPoints="1" noAdjustHandles="1" noChangeArrowheads="1" noChangeShapeType="1" noTextEdit="1"/>
+              </p:cNvSpPr>
+              <p:nvPr/>
+            </p:nvSpPr>
+            <p:spPr>
+              <a:xfrm>
+                <a:off x="6521488" y="2117063"/>
+                <a:ext cx="627095" cy="253916"/>
+              </a:xfrm>
+              <a:prstGeom prst="rect">
+                <a:avLst/>
+              </a:prstGeom>
+              <a:blipFill>
+                <a:blip r:embed="rId6"/>
+                <a:stretch>
+                  <a:fillRect/>
+                </a:stretch>
+              </a:blipFill>
+            </p:spPr>
+            <p:txBody>
+              <a:bodyPr/>
+              <a:lstStyle/>
+              <a:p>
+                <a:r>
+                  <a:rPr lang="ja-JP" altLang="en-US">
+                    <a:noFill/>
+                  </a:rPr>
+                  <a:t> </a:t>
+                </a:r>
+              </a:p>
+            </p:txBody>
+          </p:sp>
+        </mc:Fallback>
+      </mc:AlternateContent>
+      <mc:AlternateContent xmlns:mc="http://schemas.openxmlformats.org/markup-compatibility/2006">
+        <mc:Choice xmlns:a14="http://schemas.microsoft.com/office/drawing/2010/main" Requires="a14">
+          <p:sp>
+            <p:nvSpPr>
+              <p:cNvPr id="67" name="テキスト ボックス 66">
+                <a:extLst>
+                  <a:ext uri="{FF2B5EF4-FFF2-40B4-BE49-F238E27FC236}">
+                    <a16:creationId xmlns:a16="http://schemas.microsoft.com/office/drawing/2014/main" id="{A155B734-EFCB-8482-8184-934927B908DD}"/>
+                  </a:ext>
+                </a:extLst>
+              </p:cNvPr>
+              <p:cNvSpPr txBox="1"/>
+              <p:nvPr/>
+            </p:nvSpPr>
+            <p:spPr>
+              <a:xfrm>
+                <a:off x="8553822" y="2117063"/>
+                <a:ext cx="627095" cy="253916"/>
+              </a:xfrm>
+              <a:prstGeom prst="rect">
+                <a:avLst/>
+              </a:prstGeom>
+              <a:noFill/>
+            </p:spPr>
+            <p:txBody>
+              <a:bodyPr wrap="none" rtlCol="0">
+                <a:spAutoFit/>
+              </a:bodyPr>
+              <a:lstStyle/>
+              <a:p>
+                <a14:m>
+                  <m:oMathPara xmlns:m="http://schemas.openxmlformats.org/officeDocument/2006/math">
+                    <m:oMathParaPr>
+                      <m:jc m:val="centerGroup"/>
+                    </m:oMathParaPr>
+                    <m:oMath xmlns:m="http://schemas.openxmlformats.org/officeDocument/2006/math">
+                      <m:r>
+                        <a:rPr lang="ja-JP" altLang="en-US" sz="1050" i="1">
+                          <a:latin typeface="Cambria Math" panose="02040503050406030204" pitchFamily="18" charset="0"/>
+                        </a:rPr>
+                        <m:t>吊り</m:t>
+                      </m:r>
+                      <m:r>
+                        <a:rPr lang="ja-JP" altLang="en-US" sz="1050" i="1">
+                          <a:latin typeface="Cambria Math" panose="02040503050406030204" pitchFamily="18" charset="0"/>
+                        </a:rPr>
+                        <m:t>荷</m:t>
+                      </m:r>
+                    </m:oMath>
+                  </m:oMathPara>
+                </a14:m>
+                <a:endParaRPr lang="ja-JP" altLang="en-US" sz="1050" dirty="0"/>
+              </a:p>
+            </p:txBody>
+          </p:sp>
+        </mc:Choice>
+        <mc:Fallback>
+          <p:sp>
+            <p:nvSpPr>
+              <p:cNvPr id="67" name="テキスト ボックス 66">
+                <a:extLst>
+                  <a:ext uri="{FF2B5EF4-FFF2-40B4-BE49-F238E27FC236}">
+                    <a16:creationId xmlns:a16="http://schemas.microsoft.com/office/drawing/2014/main" id="{A155B734-EFCB-8482-8184-934927B908DD}"/>
+                  </a:ext>
+                </a:extLst>
+              </p:cNvPr>
+              <p:cNvSpPr txBox="1">
+                <a:spLocks noRot="1" noChangeAspect="1" noMove="1" noResize="1" noEditPoints="1" noAdjustHandles="1" noChangeArrowheads="1" noChangeShapeType="1" noTextEdit="1"/>
+              </p:cNvSpPr>
+              <p:nvPr/>
+            </p:nvSpPr>
+            <p:spPr>
+              <a:xfrm>
+                <a:off x="8553822" y="2117063"/>
+                <a:ext cx="627095" cy="253916"/>
+              </a:xfrm>
+              <a:prstGeom prst="rect">
+                <a:avLst/>
+              </a:prstGeom>
+              <a:blipFill>
+                <a:blip r:embed="rId7"/>
+                <a:stretch>
+                  <a:fillRect/>
+                </a:stretch>
+              </a:blipFill>
+            </p:spPr>
+            <p:txBody>
+              <a:bodyPr/>
+              <a:lstStyle/>
+              <a:p>
+                <a:r>
+                  <a:rPr lang="ja-JP" altLang="en-US">
+                    <a:noFill/>
+                  </a:rPr>
+                  <a:t> </a:t>
+                </a:r>
+              </a:p>
+            </p:txBody>
+          </p:sp>
+        </mc:Fallback>
+      </mc:AlternateContent>
+      <mc:AlternateContent xmlns:mc="http://schemas.openxmlformats.org/markup-compatibility/2006">
+        <mc:Choice xmlns:a14="http://schemas.microsoft.com/office/drawing/2010/main" Requires="a14">
+          <p:sp>
+            <p:nvSpPr>
+              <p:cNvPr id="69" name="テキスト ボックス 68">
+                <a:extLst>
+                  <a:ext uri="{FF2B5EF4-FFF2-40B4-BE49-F238E27FC236}">
+                    <a16:creationId xmlns:a16="http://schemas.microsoft.com/office/drawing/2014/main" id="{2679B84E-763E-0A16-4310-44000CF0FDDC}"/>
+                  </a:ext>
+                </a:extLst>
+              </p:cNvPr>
+              <p:cNvSpPr txBox="1"/>
+              <p:nvPr/>
+            </p:nvSpPr>
+            <p:spPr>
+              <a:xfrm>
+                <a:off x="6577047" y="1107929"/>
+                <a:ext cx="515975" cy="276999"/>
+              </a:xfrm>
+              <a:prstGeom prst="rect">
+                <a:avLst/>
+              </a:prstGeom>
+              <a:noFill/>
+            </p:spPr>
+            <p:txBody>
+              <a:bodyPr wrap="none" rtlCol="0">
+                <a:spAutoFit/>
+              </a:bodyPr>
+              <a:lstStyle/>
+              <a:p>
+                <a:pPr/>
+                <a14:m>
+                  <m:oMathPara xmlns:m="http://schemas.openxmlformats.org/officeDocument/2006/math">
+                    <m:oMathParaPr>
+                      <m:jc m:val="centerGroup"/>
+                    </m:oMathParaPr>
+                    <m:oMath xmlns:m="http://schemas.openxmlformats.org/officeDocument/2006/math">
+                      <m:r>
+                        <a:rPr kumimoji="1" lang="ja-JP" altLang="en-US" sz="1200" b="1" i="1" smtClean="0">
+                          <a:latin typeface="Cambria Math" panose="02040503050406030204" pitchFamily="18" charset="0"/>
+                          <a:ea typeface="+mj-ea"/>
+                        </a:rPr>
+                        <m:t>𝜽</m:t>
+                      </m:r>
+                      <m:d>
+                        <m:dPr>
+                          <m:ctrlPr>
+                            <a:rPr kumimoji="1" lang="en-US" altLang="ja-JP" sz="1200" b="1" i="1" smtClean="0">
+                              <a:latin typeface="Cambria Math" panose="02040503050406030204" pitchFamily="18" charset="0"/>
+                              <a:ea typeface="+mj-ea"/>
+                            </a:rPr>
+                          </m:ctrlPr>
+                        </m:dPr>
+                        <m:e>
+                          <m:r>
+                            <a:rPr kumimoji="1" lang="en-US" altLang="ja-JP" sz="1200" b="1" i="1" smtClean="0">
+                              <a:latin typeface="Cambria Math" panose="02040503050406030204" pitchFamily="18" charset="0"/>
+                              <a:ea typeface="+mj-ea"/>
+                            </a:rPr>
+                            <m:t>𝒕</m:t>
+                          </m:r>
+                        </m:e>
+                      </m:d>
+                    </m:oMath>
+                  </m:oMathPara>
+                </a14:m>
+                <a:endParaRPr kumimoji="1" lang="en-US" altLang="ja-JP" sz="1200" b="1" dirty="0">
+                  <a:latin typeface="+mj-ea"/>
+                  <a:ea typeface="+mj-ea"/>
+                </a:endParaRPr>
+              </a:p>
+            </p:txBody>
+          </p:sp>
+        </mc:Choice>
+        <mc:Fallback>
+          <p:sp>
+            <p:nvSpPr>
+              <p:cNvPr id="69" name="テキスト ボックス 68">
+                <a:extLst>
+                  <a:ext uri="{FF2B5EF4-FFF2-40B4-BE49-F238E27FC236}">
+                    <a16:creationId xmlns:a16="http://schemas.microsoft.com/office/drawing/2014/main" id="{2679B84E-763E-0A16-4310-44000CF0FDDC}"/>
+                  </a:ext>
+                </a:extLst>
+              </p:cNvPr>
+              <p:cNvSpPr txBox="1">
+                <a:spLocks noRot="1" noChangeAspect="1" noMove="1" noResize="1" noEditPoints="1" noAdjustHandles="1" noChangeArrowheads="1" noChangeShapeType="1" noTextEdit="1"/>
+              </p:cNvSpPr>
+              <p:nvPr/>
+            </p:nvSpPr>
+            <p:spPr>
+              <a:xfrm>
+                <a:off x="6577047" y="1107929"/>
+                <a:ext cx="515975" cy="276999"/>
+              </a:xfrm>
+              <a:prstGeom prst="rect">
+                <a:avLst/>
+              </a:prstGeom>
+              <a:blipFill>
+                <a:blip r:embed="rId8"/>
+                <a:stretch>
+                  <a:fillRect/>
+                </a:stretch>
+              </a:blipFill>
+            </p:spPr>
+            <p:txBody>
+              <a:bodyPr/>
+              <a:lstStyle/>
+              <a:p>
+                <a:r>
+                  <a:rPr lang="ja-JP" altLang="en-US">
+                    <a:noFill/>
+                  </a:rPr>
+                  <a:t> </a:t>
+                </a:r>
+              </a:p>
+            </p:txBody>
+          </p:sp>
+        </mc:Fallback>
+      </mc:AlternateContent>
+      <mc:AlternateContent xmlns:mc="http://schemas.openxmlformats.org/markup-compatibility/2006">
+        <mc:Choice xmlns:a14="http://schemas.microsoft.com/office/drawing/2010/main" Requires="a14">
+          <p:sp>
+            <p:nvSpPr>
+              <p:cNvPr id="70" name="テキスト ボックス 69">
+                <a:extLst>
+                  <a:ext uri="{FF2B5EF4-FFF2-40B4-BE49-F238E27FC236}">
+                    <a16:creationId xmlns:a16="http://schemas.microsoft.com/office/drawing/2014/main" id="{7FE1E34A-F96E-1782-5A7D-64C74AE7459D}"/>
+                  </a:ext>
+                </a:extLst>
+              </p:cNvPr>
+              <p:cNvSpPr txBox="1"/>
+              <p:nvPr/>
+            </p:nvSpPr>
+            <p:spPr>
+              <a:xfrm>
+                <a:off x="4884162" y="4553642"/>
+                <a:ext cx="507960" cy="276999"/>
+              </a:xfrm>
+              <a:prstGeom prst="rect">
+                <a:avLst/>
+              </a:prstGeom>
+              <a:noFill/>
+            </p:spPr>
+            <p:txBody>
+              <a:bodyPr wrap="none" rtlCol="0">
+                <a:spAutoFit/>
+              </a:bodyPr>
+              <a:lstStyle/>
+              <a:p>
+                <a:pPr/>
+                <a14:m>
+                  <m:oMathPara xmlns:m="http://schemas.openxmlformats.org/officeDocument/2006/math">
+                    <m:oMathParaPr>
+                      <m:jc m:val="centerGroup"/>
+                    </m:oMathParaPr>
+                    <m:oMath xmlns:m="http://schemas.openxmlformats.org/officeDocument/2006/math">
+                      <m:r>
+                        <a:rPr kumimoji="1" lang="en-US" altLang="ja-JP" sz="1200" b="1" i="1" smtClean="0">
+                          <a:latin typeface="Cambria Math" panose="02040503050406030204" pitchFamily="18" charset="0"/>
+                          <a:ea typeface="+mj-ea"/>
+                        </a:rPr>
+                        <m:t>𝒙</m:t>
+                      </m:r>
+                      <m:d>
+                        <m:dPr>
+                          <m:ctrlPr>
+                            <a:rPr kumimoji="1" lang="en-US" altLang="ja-JP" sz="1200" b="1" i="1" smtClean="0">
+                              <a:latin typeface="Cambria Math" panose="02040503050406030204" pitchFamily="18" charset="0"/>
+                              <a:ea typeface="+mj-ea"/>
+                            </a:rPr>
+                          </m:ctrlPr>
+                        </m:dPr>
+                        <m:e>
+                          <m:r>
+                            <a:rPr kumimoji="1" lang="en-US" altLang="ja-JP" sz="1200" b="1" i="1" smtClean="0">
+                              <a:latin typeface="Cambria Math" panose="02040503050406030204" pitchFamily="18" charset="0"/>
+                              <a:ea typeface="+mj-ea"/>
+                            </a:rPr>
+                            <m:t>𝒕</m:t>
+                          </m:r>
+                        </m:e>
+                      </m:d>
+                    </m:oMath>
+                  </m:oMathPara>
+                </a14:m>
+                <a:endParaRPr kumimoji="1" lang="en-US" altLang="ja-JP" sz="1200" b="1" dirty="0">
+                  <a:latin typeface="+mj-ea"/>
+                  <a:ea typeface="+mj-ea"/>
+                </a:endParaRPr>
+              </a:p>
+            </p:txBody>
+          </p:sp>
+        </mc:Choice>
+        <mc:Fallback>
+          <p:sp>
+            <p:nvSpPr>
+              <p:cNvPr id="70" name="テキスト ボックス 69">
+                <a:extLst>
+                  <a:ext uri="{FF2B5EF4-FFF2-40B4-BE49-F238E27FC236}">
+                    <a16:creationId xmlns:a16="http://schemas.microsoft.com/office/drawing/2014/main" id="{7FE1E34A-F96E-1782-5A7D-64C74AE7459D}"/>
+                  </a:ext>
+                </a:extLst>
+              </p:cNvPr>
+              <p:cNvSpPr txBox="1">
+                <a:spLocks noRot="1" noChangeAspect="1" noMove="1" noResize="1" noEditPoints="1" noAdjustHandles="1" noChangeArrowheads="1" noChangeShapeType="1" noTextEdit="1"/>
+              </p:cNvSpPr>
+              <p:nvPr/>
+            </p:nvSpPr>
+            <p:spPr>
+              <a:xfrm>
+                <a:off x="4884162" y="4553642"/>
+                <a:ext cx="507960" cy="276999"/>
+              </a:xfrm>
+              <a:prstGeom prst="rect">
+                <a:avLst/>
+              </a:prstGeom>
+              <a:blipFill>
+                <a:blip r:embed="rId9"/>
+                <a:stretch>
+                  <a:fillRect/>
+                </a:stretch>
+              </a:blipFill>
+            </p:spPr>
+            <p:txBody>
+              <a:bodyPr/>
+              <a:lstStyle/>
+              <a:p>
+                <a:r>
+                  <a:rPr lang="ja-JP" altLang="en-US">
+                    <a:noFill/>
+                  </a:rPr>
+                  <a:t> </a:t>
+                </a:r>
+              </a:p>
+            </p:txBody>
+          </p:sp>
+        </mc:Fallback>
+      </mc:AlternateContent>
+      <mc:AlternateContent xmlns:mc="http://schemas.openxmlformats.org/markup-compatibility/2006">
+        <mc:Choice xmlns:a14="http://schemas.microsoft.com/office/drawing/2010/main" Requires="a14">
+          <p:sp>
+            <p:nvSpPr>
+              <p:cNvPr id="71" name="テキスト ボックス 70">
+                <a:extLst>
+                  <a:ext uri="{FF2B5EF4-FFF2-40B4-BE49-F238E27FC236}">
+                    <a16:creationId xmlns:a16="http://schemas.microsoft.com/office/drawing/2014/main" id="{5A2A6CAE-6E96-DC51-B0F2-568F78F85841}"/>
+                  </a:ext>
+                </a:extLst>
+              </p:cNvPr>
+              <p:cNvSpPr txBox="1"/>
+              <p:nvPr/>
+            </p:nvSpPr>
+            <p:spPr>
+              <a:xfrm>
+                <a:off x="4350225" y="2370979"/>
+                <a:ext cx="865942" cy="276999"/>
+              </a:xfrm>
+              <a:prstGeom prst="rect">
+                <a:avLst/>
+              </a:prstGeom>
+              <a:noFill/>
+            </p:spPr>
+            <p:txBody>
+              <a:bodyPr wrap="none" rtlCol="0">
+                <a:spAutoFit/>
+              </a:bodyPr>
+              <a:lstStyle/>
+              <a:p>
+                <a:pPr/>
+                <a14:m>
+                  <m:oMathPara xmlns:m="http://schemas.openxmlformats.org/officeDocument/2006/math">
+                    <m:oMathParaPr>
+                      <m:jc m:val="centerGroup"/>
+                    </m:oMathParaPr>
+                    <m:oMath xmlns:m="http://schemas.openxmlformats.org/officeDocument/2006/math">
+                      <m:sSub>
+                        <m:sSubPr>
+                          <m:ctrlPr>
+                            <a:rPr kumimoji="1" lang="en-US" altLang="ja-JP" sz="1200" b="1" i="1" smtClean="0">
+                              <a:latin typeface="Cambria Math" panose="02040503050406030204" pitchFamily="18" charset="0"/>
+                              <a:ea typeface="+mj-ea"/>
+                            </a:rPr>
+                          </m:ctrlPr>
+                        </m:sSubPr>
+                        <m:e>
+                          <m:r>
+                            <a:rPr kumimoji="1" lang="en-US" altLang="ja-JP" sz="1200" b="1" i="1" smtClean="0">
+                              <a:latin typeface="Cambria Math" panose="02040503050406030204" pitchFamily="18" charset="0"/>
+                              <a:ea typeface="+mj-ea"/>
+                            </a:rPr>
+                            <m:t>𝑲</m:t>
+                          </m:r>
+                        </m:e>
+                        <m:sub>
+                          <m:r>
+                            <a:rPr kumimoji="1" lang="en-US" altLang="ja-JP" sz="1200" b="1" i="1" smtClean="0">
+                              <a:latin typeface="Cambria Math" panose="02040503050406030204" pitchFamily="18" charset="0"/>
+                              <a:ea typeface="+mj-ea"/>
+                            </a:rPr>
+                            <m:t>𝟐</m:t>
+                          </m:r>
+                        </m:sub>
+                      </m:sSub>
+                      <m:r>
+                        <a:rPr kumimoji="1" lang="en-US" altLang="ja-JP" sz="1200" b="1" i="1" smtClean="0">
+                          <a:latin typeface="Cambria Math" panose="02040503050406030204" pitchFamily="18" charset="0"/>
+                          <a:ea typeface="+mj-ea"/>
+                        </a:rPr>
+                        <m:t>,</m:t>
+                      </m:r>
+                      <m:sSub>
+                        <m:sSubPr>
+                          <m:ctrlPr>
+                            <a:rPr kumimoji="1" lang="en-US" altLang="ja-JP" sz="1200" b="1" i="1" smtClean="0">
+                              <a:latin typeface="Cambria Math" panose="02040503050406030204" pitchFamily="18" charset="0"/>
+                              <a:ea typeface="+mj-ea"/>
+                            </a:rPr>
+                          </m:ctrlPr>
+                        </m:sSubPr>
+                        <m:e>
+                          <m:r>
+                            <a:rPr kumimoji="1" lang="en-US" altLang="ja-JP" sz="1200" b="1" i="1" smtClean="0">
+                              <a:latin typeface="Cambria Math" panose="02040503050406030204" pitchFamily="18" charset="0"/>
+                              <a:ea typeface="+mj-ea"/>
+                            </a:rPr>
+                            <m:t>𝑰</m:t>
+                          </m:r>
+                        </m:e>
+                        <m:sub>
+                          <m:r>
+                            <a:rPr kumimoji="1" lang="en-US" altLang="ja-JP" sz="1200" b="1" i="1" smtClean="0">
+                              <a:latin typeface="Cambria Math" panose="02040503050406030204" pitchFamily="18" charset="0"/>
+                              <a:ea typeface="+mj-ea"/>
+                            </a:rPr>
+                            <m:t>𝟐</m:t>
+                          </m:r>
+                        </m:sub>
+                      </m:sSub>
+                      <m:r>
+                        <a:rPr kumimoji="1" lang="en-US" altLang="ja-JP" sz="1200" b="1" i="1" smtClean="0">
+                          <a:latin typeface="Cambria Math" panose="02040503050406030204" pitchFamily="18" charset="0"/>
+                          <a:ea typeface="+mj-ea"/>
+                        </a:rPr>
+                        <m:t>,</m:t>
+                      </m:r>
+                      <m:sSub>
+                        <m:sSubPr>
+                          <m:ctrlPr>
+                            <a:rPr kumimoji="1" lang="en-US" altLang="ja-JP" sz="1200" b="1" i="1" smtClean="0">
+                              <a:latin typeface="Cambria Math" panose="02040503050406030204" pitchFamily="18" charset="0"/>
+                              <a:ea typeface="+mj-ea"/>
+                            </a:rPr>
+                          </m:ctrlPr>
+                        </m:sSubPr>
+                        <m:e>
+                          <m:r>
+                            <a:rPr kumimoji="1" lang="en-US" altLang="ja-JP" sz="1200" b="1" i="1" smtClean="0">
+                              <a:latin typeface="Cambria Math" panose="02040503050406030204" pitchFamily="18" charset="0"/>
+                              <a:ea typeface="+mj-ea"/>
+                            </a:rPr>
+                            <m:t>𝑫</m:t>
+                          </m:r>
+                        </m:e>
+                        <m:sub>
+                          <m:r>
+                            <a:rPr kumimoji="1" lang="en-US" altLang="ja-JP" sz="1200" b="1" i="1" smtClean="0">
+                              <a:latin typeface="Cambria Math" panose="02040503050406030204" pitchFamily="18" charset="0"/>
+                              <a:ea typeface="+mj-ea"/>
+                            </a:rPr>
+                            <m:t>𝟐</m:t>
+                          </m:r>
+                        </m:sub>
+                      </m:sSub>
+                    </m:oMath>
+                  </m:oMathPara>
+                </a14:m>
+                <a:endParaRPr kumimoji="1" lang="en-US" altLang="ja-JP" sz="1200" b="1" dirty="0">
+                  <a:latin typeface="+mj-ea"/>
+                  <a:ea typeface="+mj-ea"/>
+                </a:endParaRPr>
+              </a:p>
+            </p:txBody>
+          </p:sp>
+        </mc:Choice>
+        <mc:Fallback>
+          <p:sp>
+            <p:nvSpPr>
+              <p:cNvPr id="71" name="テキスト ボックス 70">
+                <a:extLst>
+                  <a:ext uri="{FF2B5EF4-FFF2-40B4-BE49-F238E27FC236}">
+                    <a16:creationId xmlns:a16="http://schemas.microsoft.com/office/drawing/2014/main" id="{5A2A6CAE-6E96-DC51-B0F2-568F78F85841}"/>
+                  </a:ext>
+                </a:extLst>
+              </p:cNvPr>
+              <p:cNvSpPr txBox="1">
+                <a:spLocks noRot="1" noChangeAspect="1" noMove="1" noResize="1" noEditPoints="1" noAdjustHandles="1" noChangeArrowheads="1" noChangeShapeType="1" noTextEdit="1"/>
+              </p:cNvSpPr>
+              <p:nvPr/>
+            </p:nvSpPr>
+            <p:spPr>
+              <a:xfrm>
+                <a:off x="4350225" y="2370979"/>
+                <a:ext cx="865942" cy="276999"/>
+              </a:xfrm>
+              <a:prstGeom prst="rect">
+                <a:avLst/>
+              </a:prstGeom>
+              <a:blipFill>
+                <a:blip r:embed="rId10"/>
+                <a:stretch>
+                  <a:fillRect/>
+                </a:stretch>
+              </a:blipFill>
+            </p:spPr>
+            <p:txBody>
+              <a:bodyPr/>
+              <a:lstStyle/>
+              <a:p>
+                <a:r>
+                  <a:rPr lang="ja-JP" altLang="en-US">
+                    <a:noFill/>
+                  </a:rPr>
+                  <a:t> </a:t>
+                </a:r>
+              </a:p>
+            </p:txBody>
+          </p:sp>
+        </mc:Fallback>
+      </mc:AlternateContent>
+      <mc:AlternateContent xmlns:mc="http://schemas.openxmlformats.org/markup-compatibility/2006">
+        <mc:Choice xmlns:a14="http://schemas.microsoft.com/office/drawing/2010/main" Requires="a14">
+          <p:sp>
+            <p:nvSpPr>
+              <p:cNvPr id="72" name="テキスト ボックス 71">
+                <a:extLst>
+                  <a:ext uri="{FF2B5EF4-FFF2-40B4-BE49-F238E27FC236}">
+                    <a16:creationId xmlns:a16="http://schemas.microsoft.com/office/drawing/2014/main" id="{730A4631-2558-1030-D067-4A211322F981}"/>
+                  </a:ext>
+                </a:extLst>
+              </p:cNvPr>
+              <p:cNvSpPr txBox="1"/>
+              <p:nvPr/>
+            </p:nvSpPr>
+            <p:spPr>
+              <a:xfrm>
+                <a:off x="4378691" y="3667706"/>
+                <a:ext cx="865942" cy="276999"/>
+              </a:xfrm>
+              <a:prstGeom prst="rect">
+                <a:avLst/>
+              </a:prstGeom>
+              <a:noFill/>
+            </p:spPr>
+            <p:txBody>
+              <a:bodyPr wrap="none" rtlCol="0">
+                <a:spAutoFit/>
+              </a:bodyPr>
+              <a:lstStyle/>
+              <a:p>
+                <a:pPr/>
+                <a14:m>
+                  <m:oMathPara xmlns:m="http://schemas.openxmlformats.org/officeDocument/2006/math">
+                    <m:oMathParaPr>
+                      <m:jc m:val="centerGroup"/>
+                    </m:oMathParaPr>
+                    <m:oMath xmlns:m="http://schemas.openxmlformats.org/officeDocument/2006/math">
+                      <m:sSub>
+                        <m:sSubPr>
+                          <m:ctrlPr>
+                            <a:rPr kumimoji="1" lang="en-US" altLang="ja-JP" sz="1200" b="1" i="1" smtClean="0">
+                              <a:latin typeface="Cambria Math" panose="02040503050406030204" pitchFamily="18" charset="0"/>
+                              <a:ea typeface="+mj-ea"/>
+                            </a:rPr>
+                          </m:ctrlPr>
+                        </m:sSubPr>
+                        <m:e>
+                          <m:r>
+                            <a:rPr kumimoji="1" lang="en-US" altLang="ja-JP" sz="1200" b="1" i="1" smtClean="0">
+                              <a:latin typeface="Cambria Math" panose="02040503050406030204" pitchFamily="18" charset="0"/>
+                              <a:ea typeface="+mj-ea"/>
+                            </a:rPr>
+                            <m:t>𝑲</m:t>
+                          </m:r>
+                        </m:e>
+                        <m:sub>
+                          <m:r>
+                            <a:rPr kumimoji="1" lang="en-US" altLang="ja-JP" sz="1200" b="1" i="1" smtClean="0">
+                              <a:latin typeface="Cambria Math" panose="02040503050406030204" pitchFamily="18" charset="0"/>
+                              <a:ea typeface="+mj-ea"/>
+                            </a:rPr>
+                            <m:t>𝟏</m:t>
+                          </m:r>
+                        </m:sub>
+                      </m:sSub>
+                      <m:r>
+                        <a:rPr kumimoji="1" lang="en-US" altLang="ja-JP" sz="1200" b="1" i="1" smtClean="0">
+                          <a:latin typeface="Cambria Math" panose="02040503050406030204" pitchFamily="18" charset="0"/>
+                          <a:ea typeface="+mj-ea"/>
+                        </a:rPr>
+                        <m:t>,</m:t>
+                      </m:r>
+                      <m:sSub>
+                        <m:sSubPr>
+                          <m:ctrlPr>
+                            <a:rPr kumimoji="1" lang="en-US" altLang="ja-JP" sz="1200" b="1" i="1" smtClean="0">
+                              <a:latin typeface="Cambria Math" panose="02040503050406030204" pitchFamily="18" charset="0"/>
+                              <a:ea typeface="+mj-ea"/>
+                            </a:rPr>
+                          </m:ctrlPr>
+                        </m:sSubPr>
+                        <m:e>
+                          <m:r>
+                            <a:rPr kumimoji="1" lang="en-US" altLang="ja-JP" sz="1200" b="1" i="1" smtClean="0">
+                              <a:latin typeface="Cambria Math" panose="02040503050406030204" pitchFamily="18" charset="0"/>
+                              <a:ea typeface="+mj-ea"/>
+                            </a:rPr>
+                            <m:t>𝑰</m:t>
+                          </m:r>
+                        </m:e>
+                        <m:sub>
+                          <m:r>
+                            <a:rPr kumimoji="1" lang="en-US" altLang="ja-JP" sz="1200" b="1" i="1" smtClean="0">
+                              <a:latin typeface="Cambria Math" panose="02040503050406030204" pitchFamily="18" charset="0"/>
+                              <a:ea typeface="+mj-ea"/>
+                            </a:rPr>
+                            <m:t>𝟏</m:t>
+                          </m:r>
+                        </m:sub>
+                      </m:sSub>
+                      <m:r>
+                        <a:rPr kumimoji="1" lang="en-US" altLang="ja-JP" sz="1200" b="1" i="1" smtClean="0">
+                          <a:latin typeface="Cambria Math" panose="02040503050406030204" pitchFamily="18" charset="0"/>
+                          <a:ea typeface="+mj-ea"/>
+                        </a:rPr>
+                        <m:t>,</m:t>
+                      </m:r>
+                      <m:sSub>
+                        <m:sSubPr>
+                          <m:ctrlPr>
+                            <a:rPr kumimoji="1" lang="en-US" altLang="ja-JP" sz="1200" b="1" i="1" smtClean="0">
+                              <a:latin typeface="Cambria Math" panose="02040503050406030204" pitchFamily="18" charset="0"/>
+                              <a:ea typeface="+mj-ea"/>
+                            </a:rPr>
+                          </m:ctrlPr>
+                        </m:sSubPr>
+                        <m:e>
+                          <m:r>
+                            <a:rPr kumimoji="1" lang="en-US" altLang="ja-JP" sz="1200" b="1" i="1" smtClean="0">
+                              <a:latin typeface="Cambria Math" panose="02040503050406030204" pitchFamily="18" charset="0"/>
+                              <a:ea typeface="+mj-ea"/>
+                            </a:rPr>
+                            <m:t>𝑫</m:t>
+                          </m:r>
+                        </m:e>
+                        <m:sub>
+                          <m:r>
+                            <a:rPr kumimoji="1" lang="en-US" altLang="ja-JP" sz="1200" b="1" i="1" smtClean="0">
+                              <a:latin typeface="Cambria Math" panose="02040503050406030204" pitchFamily="18" charset="0"/>
+                              <a:ea typeface="+mj-ea"/>
+                            </a:rPr>
+                            <m:t>𝟏</m:t>
+                          </m:r>
+                        </m:sub>
+                      </m:sSub>
+                    </m:oMath>
+                  </m:oMathPara>
+                </a14:m>
+                <a:endParaRPr kumimoji="1" lang="en-US" altLang="ja-JP" sz="1200" b="1" dirty="0">
+                  <a:latin typeface="+mj-ea"/>
+                  <a:ea typeface="+mj-ea"/>
+                </a:endParaRPr>
+              </a:p>
+            </p:txBody>
+          </p:sp>
+        </mc:Choice>
+        <mc:Fallback>
+          <p:sp>
+            <p:nvSpPr>
+              <p:cNvPr id="72" name="テキスト ボックス 71">
+                <a:extLst>
+                  <a:ext uri="{FF2B5EF4-FFF2-40B4-BE49-F238E27FC236}">
+                    <a16:creationId xmlns:a16="http://schemas.microsoft.com/office/drawing/2014/main" id="{730A4631-2558-1030-D067-4A211322F981}"/>
+                  </a:ext>
+                </a:extLst>
+              </p:cNvPr>
+              <p:cNvSpPr txBox="1">
+                <a:spLocks noRot="1" noChangeAspect="1" noMove="1" noResize="1" noEditPoints="1" noAdjustHandles="1" noChangeArrowheads="1" noChangeShapeType="1" noTextEdit="1"/>
+              </p:cNvSpPr>
+              <p:nvPr/>
+            </p:nvSpPr>
+            <p:spPr>
+              <a:xfrm>
+                <a:off x="4378691" y="3667706"/>
+                <a:ext cx="865942" cy="276999"/>
+              </a:xfrm>
+              <a:prstGeom prst="rect">
+                <a:avLst/>
+              </a:prstGeom>
+              <a:blipFill>
+                <a:blip r:embed="rId11"/>
+                <a:stretch>
+                  <a:fillRect/>
+                </a:stretch>
+              </a:blipFill>
+            </p:spPr>
+            <p:txBody>
+              <a:bodyPr/>
+              <a:lstStyle/>
+              <a:p>
+                <a:r>
+                  <a:rPr lang="ja-JP" altLang="en-US">
+                    <a:noFill/>
+                  </a:rPr>
+                  <a:t> </a:t>
+                </a:r>
+              </a:p>
+            </p:txBody>
+          </p:sp>
+        </mc:Fallback>
+      </mc:AlternateContent>
+      <p:sp>
+        <p:nvSpPr>
+          <p:cNvPr id="74" name="テキスト ボックス 73">
+            <a:extLst>
+              <a:ext uri="{FF2B5EF4-FFF2-40B4-BE49-F238E27FC236}">
+                <a16:creationId xmlns:a16="http://schemas.microsoft.com/office/drawing/2014/main" id="{CE409F81-F476-D600-FC66-5DBCB4FC81FE}"/>
+              </a:ext>
+            </a:extLst>
+          </p:cNvPr>
+          <p:cNvSpPr txBox="1"/>
+          <p:nvPr/>
+        </p:nvSpPr>
+        <p:spPr>
+          <a:xfrm>
+            <a:off x="1967595" y="2111093"/>
+            <a:ext cx="723275" cy="253916"/>
+          </a:xfrm>
+          <a:prstGeom prst="rect">
+            <a:avLst/>
+          </a:prstGeom>
+          <a:noFill/>
+        </p:spPr>
+        <p:txBody>
+          <a:bodyPr wrap="none" rtlCol="0">
+            <a:spAutoFit/>
+          </a:bodyPr>
+          <a:lstStyle/>
+          <a:p>
+            <a:r>
+              <a:rPr lang="ja-JP" altLang="en-US" sz="1050" dirty="0"/>
+              <a:t>目標位置</a:t>
+            </a:r>
+          </a:p>
+        </p:txBody>
+      </p:sp>
+    </p:spTree>
+    <p:extLst>
+      <p:ext uri="{BB962C8B-B14F-4D97-AF65-F5344CB8AC3E}">
+        <p14:creationId xmlns:p14="http://schemas.microsoft.com/office/powerpoint/2010/main" val="100955886"/>
       </p:ext>
     </p:extLst>
   </p:cSld>
